--- a/Präsentation_Project.pptx
+++ b/Präsentation_Project.pptx
@@ -111,6 +111,11 @@
       </a:defRPr>
     </a:lvl9pPr>
   </p:defaultTextStyle>
+  <p:extLst>
+    <p:ext uri="{EFAFB233-063F-42B5-8137-9DF3F51BA10A}">
+      <p15:sldGuideLst xmlns:p15="http://schemas.microsoft.com/office/powerpoint/2012/main"/>
+    </p:ext>
+  </p:extLst>
 </p:presentation>
 </file>
 
@@ -836,7 +841,7 @@
           <a:p>
             <a:fld id="{CA98FB18-585B-4C7B-A660-A147AAF376FA}" type="datetimeFigureOut">
               <a:rPr lang="en-GB" smtClean="0"/>
-              <a:t>03/05/2016</a:t>
+              <a:t>04/05/2016</a:t>
             </a:fld>
             <a:endParaRPr lang="en-GB"/>
           </a:p>
@@ -878,7 +883,7 @@
           <a:p>
             <a:fld id="{7A22D47D-C122-41D5-A499-5D5EB595B463}" type="slidenum">
               <a:rPr lang="en-GB" smtClean="0"/>
-              <a:t>‹Nr.›</a:t>
+              <a:t>‹#›</a:t>
             </a:fld>
             <a:endParaRPr lang="en-GB"/>
           </a:p>
@@ -1087,7 +1092,7 @@
           <a:p>
             <a:fld id="{CA98FB18-585B-4C7B-A660-A147AAF376FA}" type="datetimeFigureOut">
               <a:rPr lang="en-GB" smtClean="0"/>
-              <a:t>03/05/2016</a:t>
+              <a:t>04/05/2016</a:t>
             </a:fld>
             <a:endParaRPr lang="en-GB"/>
           </a:p>
@@ -1129,7 +1134,7 @@
           <a:p>
             <a:fld id="{7A22D47D-C122-41D5-A499-5D5EB595B463}" type="slidenum">
               <a:rPr lang="en-GB" smtClean="0"/>
-              <a:t>‹Nr.›</a:t>
+              <a:t>‹#›</a:t>
             </a:fld>
             <a:endParaRPr lang="en-GB"/>
           </a:p>
@@ -1401,7 +1406,7 @@
           <a:p>
             <a:fld id="{CA98FB18-585B-4C7B-A660-A147AAF376FA}" type="datetimeFigureOut">
               <a:rPr lang="en-GB" smtClean="0"/>
-              <a:t>03/05/2016</a:t>
+              <a:t>04/05/2016</a:t>
             </a:fld>
             <a:endParaRPr lang="en-GB"/>
           </a:p>
@@ -1443,7 +1448,7 @@
           <a:p>
             <a:fld id="{7A22D47D-C122-41D5-A499-5D5EB595B463}" type="slidenum">
               <a:rPr lang="en-GB" smtClean="0"/>
-              <a:t>‹Nr.›</a:t>
+              <a:t>‹#›</a:t>
             </a:fld>
             <a:endParaRPr lang="en-GB"/>
           </a:p>
@@ -1742,7 +1747,7 @@
           <a:p>
             <a:fld id="{CA98FB18-585B-4C7B-A660-A147AAF376FA}" type="datetimeFigureOut">
               <a:rPr lang="en-GB" smtClean="0"/>
-              <a:t>03/05/2016</a:t>
+              <a:t>04/05/2016</a:t>
             </a:fld>
             <a:endParaRPr lang="en-GB"/>
           </a:p>
@@ -1784,7 +1789,7 @@
           <a:p>
             <a:fld id="{7A22D47D-C122-41D5-A499-5D5EB595B463}" type="slidenum">
               <a:rPr lang="en-GB" smtClean="0"/>
-              <a:t>‹Nr.›</a:t>
+              <a:t>‹#›</a:t>
             </a:fld>
             <a:endParaRPr lang="en-GB"/>
           </a:p>
@@ -2056,7 +2061,7 @@
           <a:p>
             <a:fld id="{CA98FB18-585B-4C7B-A660-A147AAF376FA}" type="datetimeFigureOut">
               <a:rPr lang="en-GB" smtClean="0"/>
-              <a:t>03/05/2016</a:t>
+              <a:t>04/05/2016</a:t>
             </a:fld>
             <a:endParaRPr lang="en-GB"/>
           </a:p>
@@ -2098,7 +2103,7 @@
           <a:p>
             <a:fld id="{7A22D47D-C122-41D5-A499-5D5EB595B463}" type="slidenum">
               <a:rPr lang="en-GB" smtClean="0"/>
-              <a:t>‹Nr.›</a:t>
+              <a:t>‹#›</a:t>
             </a:fld>
             <a:endParaRPr lang="en-GB"/>
           </a:p>
@@ -2449,7 +2454,7 @@
           <a:p>
             <a:fld id="{CA98FB18-585B-4C7B-A660-A147AAF376FA}" type="datetimeFigureOut">
               <a:rPr lang="en-GB" smtClean="0"/>
-              <a:t>03/05/2016</a:t>
+              <a:t>04/05/2016</a:t>
             </a:fld>
             <a:endParaRPr lang="en-GB"/>
           </a:p>
@@ -2491,7 +2496,7 @@
           <a:p>
             <a:fld id="{7A22D47D-C122-41D5-A499-5D5EB595B463}" type="slidenum">
               <a:rPr lang="en-GB" smtClean="0"/>
-              <a:t>‹Nr.›</a:t>
+              <a:t>‹#›</a:t>
             </a:fld>
             <a:endParaRPr lang="en-GB"/>
           </a:p>
@@ -2619,7 +2624,7 @@
           <a:p>
             <a:fld id="{CA98FB18-585B-4C7B-A660-A147AAF376FA}" type="datetimeFigureOut">
               <a:rPr lang="en-GB" smtClean="0"/>
-              <a:t>03/05/2016</a:t>
+              <a:t>04/05/2016</a:t>
             </a:fld>
             <a:endParaRPr lang="en-GB"/>
           </a:p>
@@ -2661,7 +2666,7 @@
           <a:p>
             <a:fld id="{7A22D47D-C122-41D5-A499-5D5EB595B463}" type="slidenum">
               <a:rPr lang="en-GB" smtClean="0"/>
-              <a:t>‹Nr.›</a:t>
+              <a:t>‹#›</a:t>
             </a:fld>
             <a:endParaRPr lang="en-GB"/>
           </a:p>
@@ -2799,7 +2804,7 @@
           <a:p>
             <a:fld id="{CA98FB18-585B-4C7B-A660-A147AAF376FA}" type="datetimeFigureOut">
               <a:rPr lang="en-GB" smtClean="0"/>
-              <a:t>03/05/2016</a:t>
+              <a:t>04/05/2016</a:t>
             </a:fld>
             <a:endParaRPr lang="en-GB"/>
           </a:p>
@@ -2841,7 +2846,7 @@
           <a:p>
             <a:fld id="{7A22D47D-C122-41D5-A499-5D5EB595B463}" type="slidenum">
               <a:rPr lang="en-GB" smtClean="0"/>
-              <a:t>‹Nr.›</a:t>
+              <a:t>‹#›</a:t>
             </a:fld>
             <a:endParaRPr lang="en-GB"/>
           </a:p>
@@ -2975,7 +2980,7 @@
           <a:p>
             <a:fld id="{CA98FB18-585B-4C7B-A660-A147AAF376FA}" type="datetimeFigureOut">
               <a:rPr lang="en-GB" smtClean="0"/>
-              <a:t>03/05/2016</a:t>
+              <a:t>04/05/2016</a:t>
             </a:fld>
             <a:endParaRPr lang="en-GB"/>
           </a:p>
@@ -3017,7 +3022,7 @@
           <a:p>
             <a:fld id="{7A22D47D-C122-41D5-A499-5D5EB595B463}" type="slidenum">
               <a:rPr lang="en-GB" smtClean="0"/>
-              <a:t>‹Nr.›</a:t>
+              <a:t>‹#›</a:t>
             </a:fld>
             <a:endParaRPr lang="en-GB"/>
           </a:p>
@@ -3222,7 +3227,7 @@
           <a:p>
             <a:fld id="{CA98FB18-585B-4C7B-A660-A147AAF376FA}" type="datetimeFigureOut">
               <a:rPr lang="en-GB" smtClean="0"/>
-              <a:t>03/05/2016</a:t>
+              <a:t>04/05/2016</a:t>
             </a:fld>
             <a:endParaRPr lang="en-GB"/>
           </a:p>
@@ -3264,7 +3269,7 @@
           <a:p>
             <a:fld id="{7A22D47D-C122-41D5-A499-5D5EB595B463}" type="slidenum">
               <a:rPr lang="en-GB" smtClean="0"/>
-              <a:t>‹Nr.›</a:t>
+              <a:t>‹#›</a:t>
             </a:fld>
             <a:endParaRPr lang="en-GB"/>
           </a:p>
@@ -3454,7 +3459,7 @@
           <a:p>
             <a:fld id="{CA98FB18-585B-4C7B-A660-A147AAF376FA}" type="datetimeFigureOut">
               <a:rPr lang="en-GB" smtClean="0"/>
-              <a:t>03/05/2016</a:t>
+              <a:t>04/05/2016</a:t>
             </a:fld>
             <a:endParaRPr lang="en-GB"/>
           </a:p>
@@ -3496,7 +3501,7 @@
           <a:p>
             <a:fld id="{7A22D47D-C122-41D5-A499-5D5EB595B463}" type="slidenum">
               <a:rPr lang="en-GB" smtClean="0"/>
-              <a:t>‹Nr.›</a:t>
+              <a:t>‹#›</a:t>
             </a:fld>
             <a:endParaRPr lang="en-GB"/>
           </a:p>
@@ -3828,7 +3833,7 @@
           <a:p>
             <a:fld id="{CA98FB18-585B-4C7B-A660-A147AAF376FA}" type="datetimeFigureOut">
               <a:rPr lang="en-GB" smtClean="0"/>
-              <a:t>03/05/2016</a:t>
+              <a:t>04/05/2016</a:t>
             </a:fld>
             <a:endParaRPr lang="en-GB"/>
           </a:p>
@@ -3870,7 +3875,7 @@
           <a:p>
             <a:fld id="{7A22D47D-C122-41D5-A499-5D5EB595B463}" type="slidenum">
               <a:rPr lang="en-GB" smtClean="0"/>
-              <a:t>‹Nr.›</a:t>
+              <a:t>‹#›</a:t>
             </a:fld>
             <a:endParaRPr lang="en-GB"/>
           </a:p>
@@ -3951,7 +3956,7 @@
           <a:p>
             <a:fld id="{CA98FB18-585B-4C7B-A660-A147AAF376FA}" type="datetimeFigureOut">
               <a:rPr lang="en-GB" smtClean="0"/>
-              <a:t>03/05/2016</a:t>
+              <a:t>04/05/2016</a:t>
             </a:fld>
             <a:endParaRPr lang="en-GB"/>
           </a:p>
@@ -3993,7 +3998,7 @@
           <a:p>
             <a:fld id="{7A22D47D-C122-41D5-A499-5D5EB595B463}" type="slidenum">
               <a:rPr lang="en-GB" smtClean="0"/>
-              <a:t>‹Nr.›</a:t>
+              <a:t>‹#›</a:t>
             </a:fld>
             <a:endParaRPr lang="en-GB"/>
           </a:p>
@@ -4046,7 +4051,7 @@
           <a:p>
             <a:fld id="{CA98FB18-585B-4C7B-A660-A147AAF376FA}" type="datetimeFigureOut">
               <a:rPr lang="en-GB" smtClean="0"/>
-              <a:t>03/05/2016</a:t>
+              <a:t>04/05/2016</a:t>
             </a:fld>
             <a:endParaRPr lang="en-GB"/>
           </a:p>
@@ -4088,7 +4093,7 @@
           <a:p>
             <a:fld id="{7A22D47D-C122-41D5-A499-5D5EB595B463}" type="slidenum">
               <a:rPr lang="en-GB" smtClean="0"/>
-              <a:t>‹Nr.›</a:t>
+              <a:t>‹#›</a:t>
             </a:fld>
             <a:endParaRPr lang="en-GB"/>
           </a:p>
@@ -4301,7 +4306,7 @@
           <a:p>
             <a:fld id="{CA98FB18-585B-4C7B-A660-A147AAF376FA}" type="datetimeFigureOut">
               <a:rPr lang="en-GB" smtClean="0"/>
-              <a:t>03/05/2016</a:t>
+              <a:t>04/05/2016</a:t>
             </a:fld>
             <a:endParaRPr lang="en-GB"/>
           </a:p>
@@ -4343,7 +4348,7 @@
           <a:p>
             <a:fld id="{7A22D47D-C122-41D5-A499-5D5EB595B463}" type="slidenum">
               <a:rPr lang="en-GB" smtClean="0"/>
-              <a:t>‹Nr.›</a:t>
+              <a:t>‹#›</a:t>
             </a:fld>
             <a:endParaRPr lang="en-GB"/>
           </a:p>
@@ -4564,7 +4569,7 @@
           <a:p>
             <a:fld id="{CA98FB18-585B-4C7B-A660-A147AAF376FA}" type="datetimeFigureOut">
               <a:rPr lang="en-GB" smtClean="0"/>
-              <a:t>03/05/2016</a:t>
+              <a:t>04/05/2016</a:t>
             </a:fld>
             <a:endParaRPr lang="en-GB"/>
           </a:p>
@@ -4606,7 +4611,7 @@
           <a:p>
             <a:fld id="{7A22D47D-C122-41D5-A499-5D5EB595B463}" type="slidenum">
               <a:rPr lang="en-GB" smtClean="0"/>
-              <a:t>‹Nr.›</a:t>
+              <a:t>‹#›</a:t>
             </a:fld>
             <a:endParaRPr lang="en-GB"/>
           </a:p>
@@ -5307,7 +5312,7 @@
           <a:p>
             <a:fld id="{CA98FB18-585B-4C7B-A660-A147AAF376FA}" type="datetimeFigureOut">
               <a:rPr lang="en-GB" smtClean="0"/>
-              <a:t>03/05/2016</a:t>
+              <a:t>04/05/2016</a:t>
             </a:fld>
             <a:endParaRPr lang="en-GB"/>
           </a:p>
@@ -5383,7 +5388,7 @@
           <a:p>
             <a:fld id="{7A22D47D-C122-41D5-A499-5D5EB595B463}" type="slidenum">
               <a:rPr lang="en-GB" smtClean="0"/>
-              <a:t>‹Nr.›</a:t>
+              <a:t>‹#›</a:t>
             </a:fld>
             <a:endParaRPr lang="en-GB"/>
           </a:p>
@@ -6325,9 +6330,27 @@
                 <a:tableStyleId>{5C22544A-7EE6-4342-B048-85BDC9FD1C3A}</a:tableStyleId>
               </a:tblPr>
               <a:tblGrid>
-                <a:gridCol w="594291"/>
-                <a:gridCol w="6171484"/>
-                <a:gridCol w="1828589"/>
+                <a:gridCol w="594291">
+                  <a:extLst>
+                    <a:ext uri="{9D8B030D-6E8A-4147-A177-3AD203B41FA5}">
+                      <a16:colId xmlns:a16="http://schemas.microsoft.com/office/drawing/2014/main" val="20000"/>
+                    </a:ext>
+                  </a:extLst>
+                </a:gridCol>
+                <a:gridCol w="6171484">
+                  <a:extLst>
+                    <a:ext uri="{9D8B030D-6E8A-4147-A177-3AD203B41FA5}">
+                      <a16:colId xmlns:a16="http://schemas.microsoft.com/office/drawing/2014/main" val="20001"/>
+                    </a:ext>
+                  </a:extLst>
+                </a:gridCol>
+                <a:gridCol w="1828589">
+                  <a:extLst>
+                    <a:ext uri="{9D8B030D-6E8A-4147-A177-3AD203B41FA5}">
+                      <a16:colId xmlns:a16="http://schemas.microsoft.com/office/drawing/2014/main" val="20002"/>
+                    </a:ext>
+                  </a:extLst>
+                </a:gridCol>
               </a:tblGrid>
               <a:tr h="370840">
                 <a:tc>
@@ -6372,6 +6395,11 @@
                   </a:txBody>
                   <a:tcPr/>
                 </a:tc>
+                <a:extLst>
+                  <a:ext uri="{0D108BD9-81ED-4DB2-BD59-A6C34878D82A}">
+                    <a16:rowId xmlns:a16="http://schemas.microsoft.com/office/drawing/2014/main" val="10000"/>
+                  </a:ext>
+                </a:extLst>
               </a:tr>
               <a:tr h="370840">
                 <a:tc>
@@ -6441,6 +6469,11 @@
                   </a:txBody>
                   <a:tcPr/>
                 </a:tc>
+                <a:extLst>
+                  <a:ext uri="{0D108BD9-81ED-4DB2-BD59-A6C34878D82A}">
+                    <a16:rowId xmlns:a16="http://schemas.microsoft.com/office/drawing/2014/main" val="10001"/>
+                  </a:ext>
+                </a:extLst>
               </a:tr>
               <a:tr h="370840">
                 <a:tc>
@@ -6486,6 +6519,11 @@
                   </a:txBody>
                   <a:tcPr/>
                 </a:tc>
+                <a:extLst>
+                  <a:ext uri="{0D108BD9-81ED-4DB2-BD59-A6C34878D82A}">
+                    <a16:rowId xmlns:a16="http://schemas.microsoft.com/office/drawing/2014/main" val="10002"/>
+                  </a:ext>
+                </a:extLst>
               </a:tr>
               <a:tr h="370840">
                 <a:tc>
@@ -6531,6 +6569,11 @@
                   </a:txBody>
                   <a:tcPr/>
                 </a:tc>
+                <a:extLst>
+                  <a:ext uri="{0D108BD9-81ED-4DB2-BD59-A6C34878D82A}">
+                    <a16:rowId xmlns:a16="http://schemas.microsoft.com/office/drawing/2014/main" val="10003"/>
+                  </a:ext>
+                </a:extLst>
               </a:tr>
               <a:tr h="370840">
                 <a:tc>
@@ -6576,6 +6619,11 @@
                   </a:txBody>
                   <a:tcPr/>
                 </a:tc>
+                <a:extLst>
+                  <a:ext uri="{0D108BD9-81ED-4DB2-BD59-A6C34878D82A}">
+                    <a16:rowId xmlns:a16="http://schemas.microsoft.com/office/drawing/2014/main" val="10004"/>
+                  </a:ext>
+                </a:extLst>
               </a:tr>
               <a:tr h="370840">
                 <a:tc>
@@ -6625,6 +6673,11 @@
                   </a:txBody>
                   <a:tcPr/>
                 </a:tc>
+                <a:extLst>
+                  <a:ext uri="{0D108BD9-81ED-4DB2-BD59-A6C34878D82A}">
+                    <a16:rowId xmlns:a16="http://schemas.microsoft.com/office/drawing/2014/main" val="10005"/>
+                  </a:ext>
+                </a:extLst>
               </a:tr>
               <a:tr h="370840">
                 <a:tc>
@@ -6670,6 +6723,11 @@
                   </a:txBody>
                   <a:tcPr/>
                 </a:tc>
+                <a:extLst>
+                  <a:ext uri="{0D108BD9-81ED-4DB2-BD59-A6C34878D82A}">
+                    <a16:rowId xmlns:a16="http://schemas.microsoft.com/office/drawing/2014/main" val="10006"/>
+                  </a:ext>
+                </a:extLst>
               </a:tr>
             </a:tbl>
           </a:graphicData>
@@ -7060,9 +7118,27 @@
                 <a:tableStyleId>{5C22544A-7EE6-4342-B048-85BDC9FD1C3A}</a:tableStyleId>
               </a:tblPr>
               <a:tblGrid>
-                <a:gridCol w="594291"/>
-                <a:gridCol w="6171484"/>
-                <a:gridCol w="1828589"/>
+                <a:gridCol w="594291">
+                  <a:extLst>
+                    <a:ext uri="{9D8B030D-6E8A-4147-A177-3AD203B41FA5}">
+                      <a16:colId xmlns:a16="http://schemas.microsoft.com/office/drawing/2014/main" val="20000"/>
+                    </a:ext>
+                  </a:extLst>
+                </a:gridCol>
+                <a:gridCol w="6171484">
+                  <a:extLst>
+                    <a:ext uri="{9D8B030D-6E8A-4147-A177-3AD203B41FA5}">
+                      <a16:colId xmlns:a16="http://schemas.microsoft.com/office/drawing/2014/main" val="20001"/>
+                    </a:ext>
+                  </a:extLst>
+                </a:gridCol>
+                <a:gridCol w="1828589">
+                  <a:extLst>
+                    <a:ext uri="{9D8B030D-6E8A-4147-A177-3AD203B41FA5}">
+                      <a16:colId xmlns:a16="http://schemas.microsoft.com/office/drawing/2014/main" val="20002"/>
+                    </a:ext>
+                  </a:extLst>
+                </a:gridCol>
               </a:tblGrid>
               <a:tr h="370840">
                 <a:tc>
@@ -7107,6 +7183,11 @@
                   </a:txBody>
                   <a:tcPr/>
                 </a:tc>
+                <a:extLst>
+                  <a:ext uri="{0D108BD9-81ED-4DB2-BD59-A6C34878D82A}">
+                    <a16:rowId xmlns:a16="http://schemas.microsoft.com/office/drawing/2014/main" val="10000"/>
+                  </a:ext>
+                </a:extLst>
               </a:tr>
               <a:tr h="370840">
                 <a:tc>
@@ -7157,6 +7238,11 @@
                   </a:txBody>
                   <a:tcPr/>
                 </a:tc>
+                <a:extLst>
+                  <a:ext uri="{0D108BD9-81ED-4DB2-BD59-A6C34878D82A}">
+                    <a16:rowId xmlns:a16="http://schemas.microsoft.com/office/drawing/2014/main" val="10001"/>
+                  </a:ext>
+                </a:extLst>
               </a:tr>
               <a:tr h="370840">
                 <a:tc>
@@ -7222,6 +7308,11 @@
                   </a:txBody>
                   <a:tcPr/>
                 </a:tc>
+                <a:extLst>
+                  <a:ext uri="{0D108BD9-81ED-4DB2-BD59-A6C34878D82A}">
+                    <a16:rowId xmlns:a16="http://schemas.microsoft.com/office/drawing/2014/main" val="10002"/>
+                  </a:ext>
+                </a:extLst>
               </a:tr>
               <a:tr h="370840">
                 <a:tc>
@@ -7271,6 +7362,11 @@
                   </a:txBody>
                   <a:tcPr/>
                 </a:tc>
+                <a:extLst>
+                  <a:ext uri="{0D108BD9-81ED-4DB2-BD59-A6C34878D82A}">
+                    <a16:rowId xmlns:a16="http://schemas.microsoft.com/office/drawing/2014/main" val="10003"/>
+                  </a:ext>
+                </a:extLst>
               </a:tr>
               <a:tr h="370840">
                 <a:tc>
@@ -7316,6 +7412,11 @@
                   </a:txBody>
                   <a:tcPr/>
                 </a:tc>
+                <a:extLst>
+                  <a:ext uri="{0D108BD9-81ED-4DB2-BD59-A6C34878D82A}">
+                    <a16:rowId xmlns:a16="http://schemas.microsoft.com/office/drawing/2014/main" val="10004"/>
+                  </a:ext>
+                </a:extLst>
               </a:tr>
               <a:tr h="370840">
                 <a:tc>
@@ -7356,6 +7457,11 @@
                   </a:txBody>
                   <a:tcPr/>
                 </a:tc>
+                <a:extLst>
+                  <a:ext uri="{0D108BD9-81ED-4DB2-BD59-A6C34878D82A}">
+                    <a16:rowId xmlns:a16="http://schemas.microsoft.com/office/drawing/2014/main" val="10005"/>
+                  </a:ext>
+                </a:extLst>
               </a:tr>
             </a:tbl>
           </a:graphicData>
@@ -7575,6 +7681,27 @@
             <a:endParaRPr lang="de-AT" sz="2400" dirty="0" smtClean="0"/>
           </a:p>
           <a:p>
+            <a:r>
+              <a:rPr lang="de-AT" sz="2400" dirty="0" smtClean="0"/>
+              <a:t>Gute Hilfestellungen vom Tutorium/Tutor</a:t>
+            </a:r>
+          </a:p>
+          <a:p>
+            <a:r>
+              <a:rPr lang="de-AT" sz="2400" dirty="0" smtClean="0"/>
+              <a:t>Betriebsnähere Erfahrungen (Statt einfach „zu </a:t>
+            </a:r>
+            <a:r>
+              <a:rPr lang="de-AT" sz="2400" dirty="0" err="1" smtClean="0"/>
+              <a:t>coden</a:t>
+            </a:r>
+            <a:r>
+              <a:rPr lang="de-AT" sz="2400" dirty="0" smtClean="0"/>
+              <a:t>“)</a:t>
+            </a:r>
+            <a:endParaRPr lang="de-AT" sz="2400" dirty="0" smtClean="0"/>
+          </a:p>
+          <a:p>
             <a:endParaRPr lang="de-AT" sz="2200" dirty="0" smtClean="0"/>
           </a:p>
           <a:p>
@@ -7657,7 +7784,11 @@
           <a:p>
             <a:r>
               <a:rPr lang="de-AT" sz="2400" dirty="0" smtClean="0"/>
-              <a:t>Schwierigkeiten mit der </a:t>
+              <a:t>Schwierigkeiten mit </a:t>
+            </a:r>
+            <a:r>
+              <a:rPr lang="de-AT" sz="2400" dirty="0" smtClean="0"/>
+              <a:t>der </a:t>
             </a:r>
             <a:r>
               <a:rPr lang="de-AT" sz="2400" dirty="0" err="1" smtClean="0"/>

--- a/Präsentation_Project.pptx
+++ b/Präsentation_Project.pptx
@@ -4,6 +4,9 @@
   <p:sldMasterIdLst>
     <p:sldMasterId id="2147483660" r:id="rId1"/>
   </p:sldMasterIdLst>
+  <p:notesMasterIdLst>
+    <p:notesMasterId r:id="rId10"/>
+  </p:notesMasterIdLst>
   <p:sldIdLst>
     <p:sldId id="256" r:id="rId2"/>
     <p:sldId id="264" r:id="rId3"/>
@@ -117,6 +120,356 @@
     </p:ext>
   </p:extLst>
 </p:presentation>
+</file>
+
+<file path=ppt/notesMasters/notesMaster1.xml><?xml version="1.0" encoding="utf-8"?>
+<p:notesMaster xmlns:a="http://schemas.openxmlformats.org/drawingml/2006/main" xmlns:r="http://schemas.openxmlformats.org/officeDocument/2006/relationships" xmlns:p="http://schemas.openxmlformats.org/presentationml/2006/main">
+  <p:cSld>
+    <p:bg>
+      <p:bgRef idx="1001">
+        <a:schemeClr val="bg1"/>
+      </p:bgRef>
+    </p:bg>
+    <p:spTree>
+      <p:nvGrpSpPr>
+        <p:cNvPr id="1" name=""/>
+        <p:cNvGrpSpPr/>
+        <p:nvPr/>
+      </p:nvGrpSpPr>
+      <p:grpSpPr>
+        <a:xfrm>
+          <a:off x="0" y="0"/>
+          <a:ext cx="0" cy="0"/>
+          <a:chOff x="0" y="0"/>
+          <a:chExt cx="0" cy="0"/>
+        </a:xfrm>
+      </p:grpSpPr>
+      <p:sp>
+        <p:nvSpPr>
+          <p:cNvPr id="2" name="Header Placeholder 1"/>
+          <p:cNvSpPr>
+            <a:spLocks noGrp="1"/>
+          </p:cNvSpPr>
+          <p:nvPr>
+            <p:ph type="hdr" sz="quarter"/>
+          </p:nvPr>
+        </p:nvSpPr>
+        <p:spPr>
+          <a:xfrm>
+            <a:off x="0" y="0"/>
+            <a:ext cx="2971800" cy="458788"/>
+          </a:xfrm>
+          <a:prstGeom prst="rect">
+            <a:avLst/>
+          </a:prstGeom>
+        </p:spPr>
+        <p:txBody>
+          <a:bodyPr vert="horz" lIns="91440" tIns="45720" rIns="91440" bIns="45720" rtlCol="0"/>
+          <a:lstStyle>
+            <a:lvl1pPr algn="l">
+              <a:defRPr sz="1200"/>
+            </a:lvl1pPr>
+          </a:lstStyle>
+          <a:p>
+            <a:endParaRPr lang="de-AT"/>
+          </a:p>
+        </p:txBody>
+      </p:sp>
+      <p:sp>
+        <p:nvSpPr>
+          <p:cNvPr id="3" name="Date Placeholder 2"/>
+          <p:cNvSpPr>
+            <a:spLocks noGrp="1"/>
+          </p:cNvSpPr>
+          <p:nvPr>
+            <p:ph type="dt" idx="1"/>
+          </p:nvPr>
+        </p:nvSpPr>
+        <p:spPr>
+          <a:xfrm>
+            <a:off x="3884613" y="0"/>
+            <a:ext cx="2971800" cy="458788"/>
+          </a:xfrm>
+          <a:prstGeom prst="rect">
+            <a:avLst/>
+          </a:prstGeom>
+        </p:spPr>
+        <p:txBody>
+          <a:bodyPr vert="horz" lIns="91440" tIns="45720" rIns="91440" bIns="45720" rtlCol="0"/>
+          <a:lstStyle>
+            <a:lvl1pPr algn="r">
+              <a:defRPr sz="1200"/>
+            </a:lvl1pPr>
+          </a:lstStyle>
+          <a:p>
+            <a:fld id="{533DA362-41EE-4DFF-8118-0658AD5F535B}" type="datetimeFigureOut">
+              <a:rPr lang="de-AT" smtClean="0"/>
+              <a:t>04.05.2016</a:t>
+            </a:fld>
+            <a:endParaRPr lang="de-AT"/>
+          </a:p>
+        </p:txBody>
+      </p:sp>
+      <p:sp>
+        <p:nvSpPr>
+          <p:cNvPr id="4" name="Slide Image Placeholder 3"/>
+          <p:cNvSpPr>
+            <a:spLocks noGrp="1" noRot="1" noChangeAspect="1"/>
+          </p:cNvSpPr>
+          <p:nvPr>
+            <p:ph type="sldImg" idx="2"/>
+          </p:nvPr>
+        </p:nvSpPr>
+        <p:spPr>
+          <a:xfrm>
+            <a:off x="685800" y="1143000"/>
+            <a:ext cx="5486400" cy="3086100"/>
+          </a:xfrm>
+          <a:prstGeom prst="rect">
+            <a:avLst/>
+          </a:prstGeom>
+          <a:noFill/>
+          <a:ln w="12700">
+            <a:solidFill>
+              <a:prstClr val="black"/>
+            </a:solidFill>
+          </a:ln>
+        </p:spPr>
+        <p:txBody>
+          <a:bodyPr vert="horz" lIns="91440" tIns="45720" rIns="91440" bIns="45720" rtlCol="0" anchor="ctr"/>
+          <a:lstStyle/>
+          <a:p>
+            <a:endParaRPr lang="de-AT"/>
+          </a:p>
+        </p:txBody>
+      </p:sp>
+      <p:sp>
+        <p:nvSpPr>
+          <p:cNvPr id="5" name="Notes Placeholder 4"/>
+          <p:cNvSpPr>
+            <a:spLocks noGrp="1"/>
+          </p:cNvSpPr>
+          <p:nvPr>
+            <p:ph type="body" sz="quarter" idx="3"/>
+          </p:nvPr>
+        </p:nvSpPr>
+        <p:spPr>
+          <a:xfrm>
+            <a:off x="685800" y="4400550"/>
+            <a:ext cx="5486400" cy="3600450"/>
+          </a:xfrm>
+          <a:prstGeom prst="rect">
+            <a:avLst/>
+          </a:prstGeom>
+        </p:spPr>
+        <p:txBody>
+          <a:bodyPr vert="horz" lIns="91440" tIns="45720" rIns="91440" bIns="45720" rtlCol="0"/>
+          <a:lstStyle/>
+          <a:p>
+            <a:pPr lvl="0"/>
+            <a:r>
+              <a:rPr lang="en-US" smtClean="0"/>
+              <a:t>Edit Master text styles</a:t>
+            </a:r>
+          </a:p>
+          <a:p>
+            <a:pPr lvl="1"/>
+            <a:r>
+              <a:rPr lang="en-US" smtClean="0"/>
+              <a:t>Second level</a:t>
+            </a:r>
+          </a:p>
+          <a:p>
+            <a:pPr lvl="2"/>
+            <a:r>
+              <a:rPr lang="en-US" smtClean="0"/>
+              <a:t>Third level</a:t>
+            </a:r>
+          </a:p>
+          <a:p>
+            <a:pPr lvl="3"/>
+            <a:r>
+              <a:rPr lang="en-US" smtClean="0"/>
+              <a:t>Fourth level</a:t>
+            </a:r>
+          </a:p>
+          <a:p>
+            <a:pPr lvl="4"/>
+            <a:r>
+              <a:rPr lang="en-US" smtClean="0"/>
+              <a:t>Fifth level</a:t>
+            </a:r>
+            <a:endParaRPr lang="de-AT"/>
+          </a:p>
+        </p:txBody>
+      </p:sp>
+      <p:sp>
+        <p:nvSpPr>
+          <p:cNvPr id="6" name="Footer Placeholder 5"/>
+          <p:cNvSpPr>
+            <a:spLocks noGrp="1"/>
+          </p:cNvSpPr>
+          <p:nvPr>
+            <p:ph type="ftr" sz="quarter" idx="4"/>
+          </p:nvPr>
+        </p:nvSpPr>
+        <p:spPr>
+          <a:xfrm>
+            <a:off x="0" y="8685213"/>
+            <a:ext cx="2971800" cy="458787"/>
+          </a:xfrm>
+          <a:prstGeom prst="rect">
+            <a:avLst/>
+          </a:prstGeom>
+        </p:spPr>
+        <p:txBody>
+          <a:bodyPr vert="horz" lIns="91440" tIns="45720" rIns="91440" bIns="45720" rtlCol="0" anchor="b"/>
+          <a:lstStyle>
+            <a:lvl1pPr algn="l">
+              <a:defRPr sz="1200"/>
+            </a:lvl1pPr>
+          </a:lstStyle>
+          <a:p>
+            <a:endParaRPr lang="de-AT"/>
+          </a:p>
+        </p:txBody>
+      </p:sp>
+      <p:sp>
+        <p:nvSpPr>
+          <p:cNvPr id="7" name="Slide Number Placeholder 6"/>
+          <p:cNvSpPr>
+            <a:spLocks noGrp="1"/>
+          </p:cNvSpPr>
+          <p:nvPr>
+            <p:ph type="sldNum" sz="quarter" idx="5"/>
+          </p:nvPr>
+        </p:nvSpPr>
+        <p:spPr>
+          <a:xfrm>
+            <a:off x="3884613" y="8685213"/>
+            <a:ext cx="2971800" cy="458787"/>
+          </a:xfrm>
+          <a:prstGeom prst="rect">
+            <a:avLst/>
+          </a:prstGeom>
+        </p:spPr>
+        <p:txBody>
+          <a:bodyPr vert="horz" lIns="91440" tIns="45720" rIns="91440" bIns="45720" rtlCol="0" anchor="b"/>
+          <a:lstStyle>
+            <a:lvl1pPr algn="r">
+              <a:defRPr sz="1200"/>
+            </a:lvl1pPr>
+          </a:lstStyle>
+          <a:p>
+            <a:fld id="{CAE44836-E071-4963-AF04-0DFC483A81A3}" type="slidenum">
+              <a:rPr lang="de-AT" smtClean="0"/>
+              <a:t>‹#›</a:t>
+            </a:fld>
+            <a:endParaRPr lang="de-AT"/>
+          </a:p>
+        </p:txBody>
+      </p:sp>
+    </p:spTree>
+    <p:extLst>
+      <p:ext uri="{BB962C8B-B14F-4D97-AF65-F5344CB8AC3E}">
+        <p14:creationId xmlns:p14="http://schemas.microsoft.com/office/powerpoint/2010/main" val="1033217623"/>
+      </p:ext>
+    </p:extLst>
+  </p:cSld>
+  <p:clrMap bg1="lt1" tx1="dk1" bg2="lt2" tx2="dk2" accent1="accent1" accent2="accent2" accent3="accent3" accent4="accent4" accent5="accent5" accent6="accent6" hlink="hlink" folHlink="folHlink"/>
+  <p:notesStyle>
+    <a:lvl1pPr marL="0" algn="l" defTabSz="914400" rtl="0" eaLnBrk="1" latinLnBrk="0" hangingPunct="1">
+      <a:defRPr sz="1200" kern="1200">
+        <a:solidFill>
+          <a:schemeClr val="tx1"/>
+        </a:solidFill>
+        <a:latin typeface="+mn-lt"/>
+        <a:ea typeface="+mn-ea"/>
+        <a:cs typeface="+mn-cs"/>
+      </a:defRPr>
+    </a:lvl1pPr>
+    <a:lvl2pPr marL="457200" algn="l" defTabSz="914400" rtl="0" eaLnBrk="1" latinLnBrk="0" hangingPunct="1">
+      <a:defRPr sz="1200" kern="1200">
+        <a:solidFill>
+          <a:schemeClr val="tx1"/>
+        </a:solidFill>
+        <a:latin typeface="+mn-lt"/>
+        <a:ea typeface="+mn-ea"/>
+        <a:cs typeface="+mn-cs"/>
+      </a:defRPr>
+    </a:lvl2pPr>
+    <a:lvl3pPr marL="914400" algn="l" defTabSz="914400" rtl="0" eaLnBrk="1" latinLnBrk="0" hangingPunct="1">
+      <a:defRPr sz="1200" kern="1200">
+        <a:solidFill>
+          <a:schemeClr val="tx1"/>
+        </a:solidFill>
+        <a:latin typeface="+mn-lt"/>
+        <a:ea typeface="+mn-ea"/>
+        <a:cs typeface="+mn-cs"/>
+      </a:defRPr>
+    </a:lvl3pPr>
+    <a:lvl4pPr marL="1371600" algn="l" defTabSz="914400" rtl="0" eaLnBrk="1" latinLnBrk="0" hangingPunct="1">
+      <a:defRPr sz="1200" kern="1200">
+        <a:solidFill>
+          <a:schemeClr val="tx1"/>
+        </a:solidFill>
+        <a:latin typeface="+mn-lt"/>
+        <a:ea typeface="+mn-ea"/>
+        <a:cs typeface="+mn-cs"/>
+      </a:defRPr>
+    </a:lvl4pPr>
+    <a:lvl5pPr marL="1828800" algn="l" defTabSz="914400" rtl="0" eaLnBrk="1" latinLnBrk="0" hangingPunct="1">
+      <a:defRPr sz="1200" kern="1200">
+        <a:solidFill>
+          <a:schemeClr val="tx1"/>
+        </a:solidFill>
+        <a:latin typeface="+mn-lt"/>
+        <a:ea typeface="+mn-ea"/>
+        <a:cs typeface="+mn-cs"/>
+      </a:defRPr>
+    </a:lvl5pPr>
+    <a:lvl6pPr marL="2286000" algn="l" defTabSz="914400" rtl="0" eaLnBrk="1" latinLnBrk="0" hangingPunct="1">
+      <a:defRPr sz="1200" kern="1200">
+        <a:solidFill>
+          <a:schemeClr val="tx1"/>
+        </a:solidFill>
+        <a:latin typeface="+mn-lt"/>
+        <a:ea typeface="+mn-ea"/>
+        <a:cs typeface="+mn-cs"/>
+      </a:defRPr>
+    </a:lvl6pPr>
+    <a:lvl7pPr marL="2743200" algn="l" defTabSz="914400" rtl="0" eaLnBrk="1" latinLnBrk="0" hangingPunct="1">
+      <a:defRPr sz="1200" kern="1200">
+        <a:solidFill>
+          <a:schemeClr val="tx1"/>
+        </a:solidFill>
+        <a:latin typeface="+mn-lt"/>
+        <a:ea typeface="+mn-ea"/>
+        <a:cs typeface="+mn-cs"/>
+      </a:defRPr>
+    </a:lvl7pPr>
+    <a:lvl8pPr marL="3200400" algn="l" defTabSz="914400" rtl="0" eaLnBrk="1" latinLnBrk="0" hangingPunct="1">
+      <a:defRPr sz="1200" kern="1200">
+        <a:solidFill>
+          <a:schemeClr val="tx1"/>
+        </a:solidFill>
+        <a:latin typeface="+mn-lt"/>
+        <a:ea typeface="+mn-ea"/>
+        <a:cs typeface="+mn-cs"/>
+      </a:defRPr>
+    </a:lvl8pPr>
+    <a:lvl9pPr marL="3657600" algn="l" defTabSz="914400" rtl="0" eaLnBrk="1" latinLnBrk="0" hangingPunct="1">
+      <a:defRPr sz="1200" kern="1200">
+        <a:solidFill>
+          <a:schemeClr val="tx1"/>
+        </a:solidFill>
+        <a:latin typeface="+mn-lt"/>
+        <a:ea typeface="+mn-ea"/>
+        <a:cs typeface="+mn-cs"/>
+      </a:defRPr>
+    </a:lvl9pPr>
+  </p:notesStyle>
+</p:notesMaster>
 </file>
 
 <file path=ppt/slideLayouts/slideLayout1.xml><?xml version="1.0" encoding="utf-8"?>
@@ -839,7 +1192,7 @@
           <a:bodyPr/>
           <a:lstStyle/>
           <a:p>
-            <a:fld id="{CA98FB18-585B-4C7B-A660-A147AAF376FA}" type="datetimeFigureOut">
+            <a:fld id="{A5060A2E-3E67-4A76-96C8-883131501C10}" type="datetime1">
               <a:rPr lang="en-GB" smtClean="0"/>
               <a:t>04/05/2016</a:t>
             </a:fld>
@@ -862,6 +1215,10 @@
           <a:bodyPr/>
           <a:lstStyle/>
           <a:p>
+            <a:r>
+              <a:rPr lang="en-GB" smtClean="0"/>
+              <a:t>SE2 - Project B</a:t>
+            </a:r>
             <a:endParaRPr lang="en-GB"/>
           </a:p>
         </p:txBody>
@@ -1090,7 +1447,7 @@
           <a:bodyPr/>
           <a:lstStyle/>
           <a:p>
-            <a:fld id="{CA98FB18-585B-4C7B-A660-A147AAF376FA}" type="datetimeFigureOut">
+            <a:fld id="{D3904475-179B-4921-8A52-B34799F1A203}" type="datetime1">
               <a:rPr lang="en-GB" smtClean="0"/>
               <a:t>04/05/2016</a:t>
             </a:fld>
@@ -1113,6 +1470,10 @@
           <a:bodyPr/>
           <a:lstStyle/>
           <a:p>
+            <a:r>
+              <a:rPr lang="en-GB" smtClean="0"/>
+              <a:t>SE2 - Project B</a:t>
+            </a:r>
             <a:endParaRPr lang="en-GB"/>
           </a:p>
         </p:txBody>
@@ -1404,7 +1765,7 @@
           <a:bodyPr/>
           <a:lstStyle/>
           <a:p>
-            <a:fld id="{CA98FB18-585B-4C7B-A660-A147AAF376FA}" type="datetimeFigureOut">
+            <a:fld id="{A3A5797F-6C47-4C94-BB33-115956084DFA}" type="datetime1">
               <a:rPr lang="en-GB" smtClean="0"/>
               <a:t>04/05/2016</a:t>
             </a:fld>
@@ -1427,6 +1788,10 @@
           <a:bodyPr/>
           <a:lstStyle/>
           <a:p>
+            <a:r>
+              <a:rPr lang="en-GB" smtClean="0"/>
+              <a:t>SE2 - Project B</a:t>
+            </a:r>
             <a:endParaRPr lang="en-GB"/>
           </a:p>
         </p:txBody>
@@ -1745,7 +2110,7 @@
           <a:bodyPr/>
           <a:lstStyle/>
           <a:p>
-            <a:fld id="{CA98FB18-585B-4C7B-A660-A147AAF376FA}" type="datetimeFigureOut">
+            <a:fld id="{4BD6A40B-6AB0-4CE8-9981-AD4C4BFA3CF4}" type="datetime1">
               <a:rPr lang="en-GB" smtClean="0"/>
               <a:t>04/05/2016</a:t>
             </a:fld>
@@ -1768,6 +2133,10 @@
           <a:bodyPr/>
           <a:lstStyle/>
           <a:p>
+            <a:r>
+              <a:rPr lang="en-GB" smtClean="0"/>
+              <a:t>SE2 - Project B</a:t>
+            </a:r>
             <a:endParaRPr lang="en-GB"/>
           </a:p>
         </p:txBody>
@@ -2059,7 +2428,7 @@
           <a:bodyPr/>
           <a:lstStyle/>
           <a:p>
-            <a:fld id="{CA98FB18-585B-4C7B-A660-A147AAF376FA}" type="datetimeFigureOut">
+            <a:fld id="{540C09C8-0277-44E5-B971-E4461C736601}" type="datetime1">
               <a:rPr lang="en-GB" smtClean="0"/>
               <a:t>04/05/2016</a:t>
             </a:fld>
@@ -2082,6 +2451,10 @@
           <a:bodyPr/>
           <a:lstStyle/>
           <a:p>
+            <a:r>
+              <a:rPr lang="en-GB" smtClean="0"/>
+              <a:t>SE2 - Project B</a:t>
+            </a:r>
             <a:endParaRPr lang="en-GB"/>
           </a:p>
         </p:txBody>
@@ -2452,7 +2825,7 @@
           <a:bodyPr/>
           <a:lstStyle/>
           <a:p>
-            <a:fld id="{CA98FB18-585B-4C7B-A660-A147AAF376FA}" type="datetimeFigureOut">
+            <a:fld id="{7AE557CC-3537-4B22-A0DD-38D23D730223}" type="datetime1">
               <a:rPr lang="en-GB" smtClean="0"/>
               <a:t>04/05/2016</a:t>
             </a:fld>
@@ -2475,6 +2848,10 @@
           <a:bodyPr/>
           <a:lstStyle/>
           <a:p>
+            <a:r>
+              <a:rPr lang="en-GB" smtClean="0"/>
+              <a:t>SE2 - Project B</a:t>
+            </a:r>
             <a:endParaRPr lang="en-GB"/>
           </a:p>
         </p:txBody>
@@ -2622,7 +2999,7 @@
           <a:bodyPr/>
           <a:lstStyle/>
           <a:p>
-            <a:fld id="{CA98FB18-585B-4C7B-A660-A147AAF376FA}" type="datetimeFigureOut">
+            <a:fld id="{75D70800-8C15-4CCC-86E8-C649F66BE661}" type="datetime1">
               <a:rPr lang="en-GB" smtClean="0"/>
               <a:t>04/05/2016</a:t>
             </a:fld>
@@ -2645,6 +3022,10 @@
           <a:bodyPr/>
           <a:lstStyle/>
           <a:p>
+            <a:r>
+              <a:rPr lang="en-GB" smtClean="0"/>
+              <a:t>SE2 - Project B</a:t>
+            </a:r>
             <a:endParaRPr lang="en-GB"/>
           </a:p>
         </p:txBody>
@@ -2802,7 +3183,7 @@
           <a:bodyPr/>
           <a:lstStyle/>
           <a:p>
-            <a:fld id="{CA98FB18-585B-4C7B-A660-A147AAF376FA}" type="datetimeFigureOut">
+            <a:fld id="{D46A7865-458B-452D-9EAD-EADB39415DC2}" type="datetime1">
               <a:rPr lang="en-GB" smtClean="0"/>
               <a:t>04/05/2016</a:t>
             </a:fld>
@@ -2825,6 +3206,10 @@
           <a:bodyPr/>
           <a:lstStyle/>
           <a:p>
+            <a:r>
+              <a:rPr lang="en-GB" smtClean="0"/>
+              <a:t>SE2 - Project B</a:t>
+            </a:r>
             <a:endParaRPr lang="en-GB"/>
           </a:p>
         </p:txBody>
@@ -2978,7 +3363,7 @@
           <a:bodyPr/>
           <a:lstStyle/>
           <a:p>
-            <a:fld id="{CA98FB18-585B-4C7B-A660-A147AAF376FA}" type="datetimeFigureOut">
+            <a:fld id="{B279C99D-954B-4A1C-A990-030EAAB2A41D}" type="datetime1">
               <a:rPr lang="en-GB" smtClean="0"/>
               <a:t>04/05/2016</a:t>
             </a:fld>
@@ -3001,6 +3386,10 @@
           <a:bodyPr/>
           <a:lstStyle/>
           <a:p>
+            <a:r>
+              <a:rPr lang="en-GB" smtClean="0"/>
+              <a:t>SE2 - Project B</a:t>
+            </a:r>
             <a:endParaRPr lang="en-GB"/>
           </a:p>
         </p:txBody>
@@ -3225,7 +3614,7 @@
           <a:bodyPr/>
           <a:lstStyle/>
           <a:p>
-            <a:fld id="{CA98FB18-585B-4C7B-A660-A147AAF376FA}" type="datetimeFigureOut">
+            <a:fld id="{21E1CF7D-FAF4-40AF-BEED-479FFA19D58F}" type="datetime1">
               <a:rPr lang="en-GB" smtClean="0"/>
               <a:t>04/05/2016</a:t>
             </a:fld>
@@ -3248,6 +3637,10 @@
           <a:bodyPr/>
           <a:lstStyle/>
           <a:p>
+            <a:r>
+              <a:rPr lang="en-GB" smtClean="0"/>
+              <a:t>SE2 - Project B</a:t>
+            </a:r>
             <a:endParaRPr lang="en-GB"/>
           </a:p>
         </p:txBody>
@@ -3457,7 +3850,7 @@
           <a:bodyPr/>
           <a:lstStyle/>
           <a:p>
-            <a:fld id="{CA98FB18-585B-4C7B-A660-A147AAF376FA}" type="datetimeFigureOut">
+            <a:fld id="{AC71438D-FA26-429C-9CB4-9F6390C30EA0}" type="datetime1">
               <a:rPr lang="en-GB" smtClean="0"/>
               <a:t>04/05/2016</a:t>
             </a:fld>
@@ -3480,6 +3873,10 @@
           <a:bodyPr/>
           <a:lstStyle/>
           <a:p>
+            <a:r>
+              <a:rPr lang="en-GB" smtClean="0"/>
+              <a:t>SE2 - Project B</a:t>
+            </a:r>
             <a:endParaRPr lang="en-GB"/>
           </a:p>
         </p:txBody>
@@ -3831,7 +4228,7 @@
           <a:bodyPr/>
           <a:lstStyle/>
           <a:p>
-            <a:fld id="{CA98FB18-585B-4C7B-A660-A147AAF376FA}" type="datetimeFigureOut">
+            <a:fld id="{BB60FF0E-FF58-4381-9D3E-0C6B39B37784}" type="datetime1">
               <a:rPr lang="en-GB" smtClean="0"/>
               <a:t>04/05/2016</a:t>
             </a:fld>
@@ -3854,6 +4251,10 @@
           <a:bodyPr/>
           <a:lstStyle/>
           <a:p>
+            <a:r>
+              <a:rPr lang="en-GB" smtClean="0"/>
+              <a:t>SE2 - Project B</a:t>
+            </a:r>
             <a:endParaRPr lang="en-GB"/>
           </a:p>
         </p:txBody>
@@ -3954,7 +4355,7 @@
           <a:bodyPr/>
           <a:lstStyle/>
           <a:p>
-            <a:fld id="{CA98FB18-585B-4C7B-A660-A147AAF376FA}" type="datetimeFigureOut">
+            <a:fld id="{F6596753-EF3B-4A9B-9881-A2959CE12D77}" type="datetime1">
               <a:rPr lang="en-GB" smtClean="0"/>
               <a:t>04/05/2016</a:t>
             </a:fld>
@@ -3977,6 +4378,10 @@
           <a:bodyPr/>
           <a:lstStyle/>
           <a:p>
+            <a:r>
+              <a:rPr lang="en-GB" smtClean="0"/>
+              <a:t>SE2 - Project B</a:t>
+            </a:r>
             <a:endParaRPr lang="en-GB"/>
           </a:p>
         </p:txBody>
@@ -4049,7 +4454,7 @@
           <a:bodyPr/>
           <a:lstStyle/>
           <a:p>
-            <a:fld id="{CA98FB18-585B-4C7B-A660-A147AAF376FA}" type="datetimeFigureOut">
+            <a:fld id="{559955FD-5DD9-49CF-94CD-412D20876A73}" type="datetime1">
               <a:rPr lang="en-GB" smtClean="0"/>
               <a:t>04/05/2016</a:t>
             </a:fld>
@@ -4072,6 +4477,10 @@
           <a:bodyPr/>
           <a:lstStyle/>
           <a:p>
+            <a:r>
+              <a:rPr lang="en-GB" smtClean="0"/>
+              <a:t>SE2 - Project B</a:t>
+            </a:r>
             <a:endParaRPr lang="en-GB"/>
           </a:p>
         </p:txBody>
@@ -4304,7 +4713,7 @@
           <a:bodyPr/>
           <a:lstStyle/>
           <a:p>
-            <a:fld id="{CA98FB18-585B-4C7B-A660-A147AAF376FA}" type="datetimeFigureOut">
+            <a:fld id="{5A15906A-1CAD-4328-B1E5-2F5E198C05F5}" type="datetime1">
               <a:rPr lang="en-GB" smtClean="0"/>
               <a:t>04/05/2016</a:t>
             </a:fld>
@@ -4327,6 +4736,10 @@
           <a:bodyPr/>
           <a:lstStyle/>
           <a:p>
+            <a:r>
+              <a:rPr lang="en-GB" smtClean="0"/>
+              <a:t>SE2 - Project B</a:t>
+            </a:r>
             <a:endParaRPr lang="en-GB"/>
           </a:p>
         </p:txBody>
@@ -4567,7 +4980,7 @@
           <a:bodyPr/>
           <a:lstStyle/>
           <a:p>
-            <a:fld id="{CA98FB18-585B-4C7B-A660-A147AAF376FA}" type="datetimeFigureOut">
+            <a:fld id="{E3C07A6D-23C5-42C8-923D-CC3916BCBE1E}" type="datetime1">
               <a:rPr lang="en-GB" smtClean="0"/>
               <a:t>04/05/2016</a:t>
             </a:fld>
@@ -4590,6 +5003,10 @@
           <a:bodyPr/>
           <a:lstStyle/>
           <a:p>
+            <a:r>
+              <a:rPr lang="en-GB" smtClean="0"/>
+              <a:t>SE2 - Project B</a:t>
+            </a:r>
             <a:endParaRPr lang="en-GB"/>
           </a:p>
         </p:txBody>
@@ -5310,7 +5727,7 @@
             </a:lvl1pPr>
           </a:lstStyle>
           <a:p>
-            <a:fld id="{CA98FB18-585B-4C7B-A660-A147AAF376FA}" type="datetimeFigureOut">
+            <a:fld id="{806C467C-4F36-44EC-B8BF-FFA1008E9E8E}" type="datetime1">
               <a:rPr lang="en-GB" smtClean="0"/>
               <a:t>04/05/2016</a:t>
             </a:fld>
@@ -5351,6 +5768,10 @@
             </a:lvl1pPr>
           </a:lstStyle>
           <a:p>
+            <a:r>
+              <a:rPr lang="en-GB" smtClean="0"/>
+              <a:t>SE2 - Project B</a:t>
+            </a:r>
             <a:endParaRPr lang="en-GB"/>
           </a:p>
         </p:txBody>
@@ -5420,6 +5841,7 @@
     <p:sldLayoutId id="2147483675" r:id="rId15"/>
     <p:sldLayoutId id="2147483676" r:id="rId16"/>
   </p:sldLayoutIdLst>
+  <p:hf hdr="0"/>
   <p:txStyles>
     <p:titleStyle>
       <a:lvl1pPr algn="l" defTabSz="457200" rtl="0" eaLnBrk="1" latinLnBrk="0" hangingPunct="1">
@@ -5877,21 +6299,13 @@
         </p:spPr>
         <p:txBody>
           <a:bodyPr>
-            <a:normAutofit fontScale="92500"/>
+            <a:normAutofit fontScale="55000" lnSpcReduction="20000"/>
           </a:bodyPr>
           <a:lstStyle/>
           <a:p>
             <a:r>
               <a:rPr lang="en-GB" sz="2200" dirty="0" smtClean="0"/>
-              <a:t>Julian </a:t>
-            </a:r>
-            <a:r>
-              <a:rPr lang="en-GB" sz="2200" dirty="0" err="1" smtClean="0"/>
-              <a:t>Janda</a:t>
-            </a:r>
-            <a:r>
-              <a:rPr lang="en-GB" sz="2200" dirty="0" smtClean="0"/>
-              <a:t>, Markus </a:t>
+              <a:t>Julian Janda, Markus </a:t>
             </a:r>
             <a:r>
               <a:rPr lang="en-GB" sz="2200" dirty="0" err="1" smtClean="0"/>
@@ -5899,7 +6313,34 @@
             </a:r>
             <a:r>
               <a:rPr lang="en-GB" sz="2200" dirty="0" smtClean="0"/>
-              <a:t>, Mergime Neziri, Bernhard Rohr, Anita </a:t>
+              <a:t>, </a:t>
+            </a:r>
+            <a:r>
+              <a:rPr lang="en-GB" sz="2200" dirty="0" err="1" smtClean="0"/>
+              <a:t>Mergime</a:t>
+            </a:r>
+            <a:r>
+              <a:rPr lang="en-GB" sz="2200" dirty="0" smtClean="0"/>
+              <a:t> </a:t>
+            </a:r>
+            <a:r>
+              <a:rPr lang="en-GB" sz="2200" dirty="0" err="1" smtClean="0"/>
+              <a:t>Neziri</a:t>
+            </a:r>
+            <a:r>
+              <a:rPr lang="en-GB" sz="2200" dirty="0" smtClean="0"/>
+              <a:t>,</a:t>
+            </a:r>
+            <a:br>
+              <a:rPr lang="en-GB" sz="2200" dirty="0" smtClean="0"/>
+            </a:br>
+            <a:r>
+              <a:rPr lang="en-GB" sz="2200" dirty="0" smtClean="0"/>
+              <a:t> </a:t>
+            </a:r>
+            <a:r>
+              <a:rPr lang="en-GB" sz="2200" dirty="0" smtClean="0"/>
+              <a:t>Bernhard Rohr, Anita </a:t>
             </a:r>
             <a:r>
               <a:rPr lang="en-GB" sz="2200" dirty="0" err="1" smtClean="0"/>
@@ -5945,6 +6386,75 @@
           </a:extLst>
         </p:spPr>
       </p:pic>
+      <p:sp>
+        <p:nvSpPr>
+          <p:cNvPr id="5" name="Date Placeholder 4"/>
+          <p:cNvSpPr>
+            <a:spLocks noGrp="1"/>
+          </p:cNvSpPr>
+          <p:nvPr>
+            <p:ph type="dt" sz="half" idx="10"/>
+          </p:nvPr>
+        </p:nvSpPr>
+        <p:spPr/>
+        <p:txBody>
+          <a:bodyPr/>
+          <a:lstStyle/>
+          <a:p>
+            <a:fld id="{D235C48C-878F-4564-A136-97D7166BA1B1}" type="datetime1">
+              <a:rPr lang="en-GB" smtClean="0"/>
+              <a:t>04/05/2016</a:t>
+            </a:fld>
+            <a:endParaRPr lang="en-GB"/>
+          </a:p>
+        </p:txBody>
+      </p:sp>
+      <p:sp>
+        <p:nvSpPr>
+          <p:cNvPr id="6" name="Footer Placeholder 5"/>
+          <p:cNvSpPr>
+            <a:spLocks noGrp="1"/>
+          </p:cNvSpPr>
+          <p:nvPr>
+            <p:ph type="ftr" sz="quarter" idx="11"/>
+          </p:nvPr>
+        </p:nvSpPr>
+        <p:spPr/>
+        <p:txBody>
+          <a:bodyPr/>
+          <a:lstStyle/>
+          <a:p>
+            <a:r>
+              <a:rPr lang="en-GB" smtClean="0"/>
+              <a:t>SE2 - Project B</a:t>
+            </a:r>
+            <a:endParaRPr lang="en-GB"/>
+          </a:p>
+        </p:txBody>
+      </p:sp>
+      <p:sp>
+        <p:nvSpPr>
+          <p:cNvPr id="7" name="Slide Number Placeholder 6"/>
+          <p:cNvSpPr>
+            <a:spLocks noGrp="1"/>
+          </p:cNvSpPr>
+          <p:nvPr>
+            <p:ph type="sldNum" sz="quarter" idx="12"/>
+          </p:nvPr>
+        </p:nvSpPr>
+        <p:spPr/>
+        <p:txBody>
+          <a:bodyPr/>
+          <a:lstStyle/>
+          <a:p>
+            <a:fld id="{7A22D47D-C122-41D5-A499-5D5EB595B463}" type="slidenum">
+              <a:rPr lang="en-GB" smtClean="0"/>
+              <a:t>1</a:t>
+            </a:fld>
+            <a:endParaRPr lang="en-GB"/>
+          </a:p>
+        </p:txBody>
+      </p:sp>
     </p:spTree>
     <p:extLst>
       <p:ext uri="{BB962C8B-B14F-4D97-AF65-F5344CB8AC3E}">
@@ -5955,6 +6465,13 @@
   <p:clrMapOvr>
     <a:masterClrMapping/>
   </p:clrMapOvr>
+  <p:timing>
+    <p:tnLst>
+      <p:par>
+        <p:cTn id="1" dur="indefinite" restart="never" nodeType="tmRoot"/>
+      </p:par>
+    </p:tnLst>
+  </p:timing>
 </p:sld>
 </file>
 
@@ -6075,6 +6592,75 @@
           </a:p>
         </p:txBody>
       </p:sp>
+      <p:sp>
+        <p:nvSpPr>
+          <p:cNvPr id="4" name="Date Placeholder 3"/>
+          <p:cNvSpPr>
+            <a:spLocks noGrp="1"/>
+          </p:cNvSpPr>
+          <p:nvPr>
+            <p:ph type="dt" sz="half" idx="10"/>
+          </p:nvPr>
+        </p:nvSpPr>
+        <p:spPr/>
+        <p:txBody>
+          <a:bodyPr/>
+          <a:lstStyle/>
+          <a:p>
+            <a:fld id="{5BB087BB-E3FC-4793-93F8-F63B7674398B}" type="datetime1">
+              <a:rPr lang="en-GB" smtClean="0"/>
+              <a:t>04/05/2016</a:t>
+            </a:fld>
+            <a:endParaRPr lang="en-GB"/>
+          </a:p>
+        </p:txBody>
+      </p:sp>
+      <p:sp>
+        <p:nvSpPr>
+          <p:cNvPr id="5" name="Footer Placeholder 4"/>
+          <p:cNvSpPr>
+            <a:spLocks noGrp="1"/>
+          </p:cNvSpPr>
+          <p:nvPr>
+            <p:ph type="ftr" sz="quarter" idx="11"/>
+          </p:nvPr>
+        </p:nvSpPr>
+        <p:spPr/>
+        <p:txBody>
+          <a:bodyPr/>
+          <a:lstStyle/>
+          <a:p>
+            <a:r>
+              <a:rPr lang="en-GB" smtClean="0"/>
+              <a:t>SE2 - Project B</a:t>
+            </a:r>
+            <a:endParaRPr lang="en-GB"/>
+          </a:p>
+        </p:txBody>
+      </p:sp>
+      <p:sp>
+        <p:nvSpPr>
+          <p:cNvPr id="6" name="Slide Number Placeholder 5"/>
+          <p:cNvSpPr>
+            <a:spLocks noGrp="1"/>
+          </p:cNvSpPr>
+          <p:nvPr>
+            <p:ph type="sldNum" sz="quarter" idx="12"/>
+          </p:nvPr>
+        </p:nvSpPr>
+        <p:spPr/>
+        <p:txBody>
+          <a:bodyPr/>
+          <a:lstStyle/>
+          <a:p>
+            <a:fld id="{7A22D47D-C122-41D5-A499-5D5EB595B463}" type="slidenum">
+              <a:rPr lang="en-GB" smtClean="0"/>
+              <a:t>2</a:t>
+            </a:fld>
+            <a:endParaRPr lang="en-GB"/>
+          </a:p>
+        </p:txBody>
+      </p:sp>
     </p:spTree>
     <p:extLst>
       <p:ext uri="{BB962C8B-B14F-4D97-AF65-F5344CB8AC3E}">
@@ -6085,6 +6671,13 @@
   <p:clrMapOvr>
     <a:masterClrMapping/>
   </p:clrMapOvr>
+  <p:timing>
+    <p:tnLst>
+      <p:par>
+        <p:cTn id="1" dur="indefinite" restart="never" nodeType="tmRoot"/>
+      </p:par>
+    </p:tnLst>
+  </p:timing>
 </p:sld>
 </file>
 
@@ -6146,24 +6739,38 @@
             <p:ph idx="1"/>
           </p:nvPr>
         </p:nvSpPr>
-        <p:spPr/>
+        <p:spPr>
+          <a:xfrm>
+            <a:off x="677334" y="2160589"/>
+            <a:ext cx="7439738" cy="3880773"/>
+          </a:xfrm>
+        </p:spPr>
         <p:txBody>
           <a:bodyPr/>
           <a:lstStyle/>
           <a:p>
             <a:r>
               <a:rPr lang="de-AT" sz="2400" dirty="0" smtClean="0"/>
-              <a:t>Brettspiel</a:t>
-            </a:r>
-          </a:p>
-          <a:p>
+              <a:t>Neue </a:t>
+            </a:r>
             <a:r>
               <a:rPr lang="de-AT" sz="2400" dirty="0" smtClean="0"/>
-              <a:t>Neue Version von </a:t>
+              <a:t>Version von </a:t>
+            </a:r>
+            <a:r>
+              <a:rPr lang="de-AT" sz="2400" dirty="0" smtClean="0"/>
+              <a:t/>
+            </a:r>
+            <a:br>
+              <a:rPr lang="de-AT" sz="2400" dirty="0" smtClean="0"/>
+            </a:br>
+            <a:r>
+              <a:rPr lang="de-AT" sz="2400" dirty="0" smtClean="0"/>
+              <a:t>„</a:t>
             </a:r>
             <a:r>
               <a:rPr lang="de-AT" sz="2400" dirty="0"/>
-              <a:t>„Mensch Ärgere dich nicht</a:t>
+              <a:t>Mensch Ärgere dich nicht</a:t>
             </a:r>
             <a:r>
               <a:rPr lang="de-AT" sz="2400" dirty="0" smtClean="0"/>
@@ -6195,11 +6802,11 @@
             <a:pPr lvl="1"/>
             <a:r>
               <a:rPr lang="de-AT" sz="2000" dirty="0" smtClean="0"/>
-              <a:t>Kreative </a:t>
+              <a:t>Möglichkeiten </a:t>
             </a:r>
             <a:r>
               <a:rPr lang="de-AT" sz="2000" dirty="0"/>
-              <a:t>Möglichkeiten zum Schummeln</a:t>
+              <a:t>zum Schummeln</a:t>
             </a:r>
           </a:p>
           <a:p>
@@ -6230,6 +6837,118 @@
           </a:p>
         </p:txBody>
       </p:sp>
+      <p:sp>
+        <p:nvSpPr>
+          <p:cNvPr id="4" name="Date Placeholder 3"/>
+          <p:cNvSpPr>
+            <a:spLocks noGrp="1"/>
+          </p:cNvSpPr>
+          <p:nvPr>
+            <p:ph type="dt" sz="half" idx="10"/>
+          </p:nvPr>
+        </p:nvSpPr>
+        <p:spPr/>
+        <p:txBody>
+          <a:bodyPr/>
+          <a:lstStyle/>
+          <a:p>
+            <a:fld id="{0C765578-E16C-4023-84AF-4C05C7CED011}" type="datetime1">
+              <a:rPr lang="en-GB" smtClean="0"/>
+              <a:t>04/05/2016</a:t>
+            </a:fld>
+            <a:endParaRPr lang="en-GB"/>
+          </a:p>
+        </p:txBody>
+      </p:sp>
+      <p:sp>
+        <p:nvSpPr>
+          <p:cNvPr id="5" name="Footer Placeholder 4"/>
+          <p:cNvSpPr>
+            <a:spLocks noGrp="1"/>
+          </p:cNvSpPr>
+          <p:nvPr>
+            <p:ph type="ftr" sz="quarter" idx="11"/>
+          </p:nvPr>
+        </p:nvSpPr>
+        <p:spPr/>
+        <p:txBody>
+          <a:bodyPr/>
+          <a:lstStyle/>
+          <a:p>
+            <a:r>
+              <a:rPr lang="en-GB" smtClean="0"/>
+              <a:t>SE2 - Project B</a:t>
+            </a:r>
+            <a:endParaRPr lang="en-GB"/>
+          </a:p>
+        </p:txBody>
+      </p:sp>
+      <p:sp>
+        <p:nvSpPr>
+          <p:cNvPr id="6" name="Slide Number Placeholder 5"/>
+          <p:cNvSpPr>
+            <a:spLocks noGrp="1"/>
+          </p:cNvSpPr>
+          <p:nvPr>
+            <p:ph type="sldNum" sz="quarter" idx="12"/>
+          </p:nvPr>
+        </p:nvSpPr>
+        <p:spPr/>
+        <p:txBody>
+          <a:bodyPr/>
+          <a:lstStyle/>
+          <a:p>
+            <a:fld id="{7A22D47D-C122-41D5-A499-5D5EB595B463}" type="slidenum">
+              <a:rPr lang="en-GB" smtClean="0"/>
+              <a:t>3</a:t>
+            </a:fld>
+            <a:endParaRPr lang="en-GB"/>
+          </a:p>
+        </p:txBody>
+      </p:sp>
+      <p:pic>
+        <p:nvPicPr>
+          <p:cNvPr id="7" name="Picture 6"/>
+          <p:cNvPicPr>
+            <a:picLocks noChangeAspect="1"/>
+          </p:cNvPicPr>
+          <p:nvPr/>
+        </p:nvPicPr>
+        <p:blipFill>
+          <a:blip r:embed="rId2" cstate="print">
+            <a:extLst>
+              <a:ext uri="{28A0092B-C50C-407E-A947-70E740481C1C}">
+                <a14:useLocalDpi xmlns:a14="http://schemas.microsoft.com/office/drawing/2010/main" val="0"/>
+              </a:ext>
+            </a:extLst>
+          </a:blip>
+          <a:stretch>
+            <a:fillRect/>
+          </a:stretch>
+        </p:blipFill>
+        <p:spPr>
+          <a:xfrm>
+            <a:off x="5616604" y="1335124"/>
+            <a:ext cx="4088995" cy="2854119"/>
+          </a:xfrm>
+          <a:prstGeom prst="roundRect">
+            <a:avLst>
+              <a:gd name="adj" fmla="val 3429"/>
+            </a:avLst>
+          </a:prstGeom>
+          <a:solidFill>
+            <a:srgbClr val="FFFFFF">
+              <a:shade val="85000"/>
+            </a:srgbClr>
+          </a:solidFill>
+          <a:ln>
+            <a:noFill/>
+          </a:ln>
+          <a:effectLst>
+            <a:reflection blurRad="12700" stA="38000" endPos="28000" dist="5000" dir="5400000" sy="-100000" algn="bl" rotWithShape="0"/>
+          </a:effectLst>
+        </p:spPr>
+      </p:pic>
     </p:spTree>
     <p:extLst>
       <p:ext uri="{BB962C8B-B14F-4D97-AF65-F5344CB8AC3E}">
@@ -6240,6 +6959,13 @@
   <p:clrMapOvr>
     <a:masterClrMapping/>
   </p:clrMapOvr>
+  <p:timing>
+    <p:tnLst>
+      <p:par>
+        <p:cTn id="1" dur="indefinite" restart="never" nodeType="tmRoot"/>
+      </p:par>
+    </p:tnLst>
+  </p:timing>
 </p:sld>
 </file>
 
@@ -7001,6 +7727,75 @@
           </a:p>
         </p:txBody>
       </p:sp>
+      <p:sp>
+        <p:nvSpPr>
+          <p:cNvPr id="4" name="Date Placeholder 3"/>
+          <p:cNvSpPr>
+            <a:spLocks noGrp="1"/>
+          </p:cNvSpPr>
+          <p:nvPr>
+            <p:ph type="dt" sz="half" idx="10"/>
+          </p:nvPr>
+        </p:nvSpPr>
+        <p:spPr/>
+        <p:txBody>
+          <a:bodyPr/>
+          <a:lstStyle/>
+          <a:p>
+            <a:fld id="{B873EE98-D0E2-455B-9F98-F70A83C94D82}" type="datetime1">
+              <a:rPr lang="en-GB" smtClean="0"/>
+              <a:t>04/05/2016</a:t>
+            </a:fld>
+            <a:endParaRPr lang="en-GB"/>
+          </a:p>
+        </p:txBody>
+      </p:sp>
+      <p:sp>
+        <p:nvSpPr>
+          <p:cNvPr id="7" name="Footer Placeholder 6"/>
+          <p:cNvSpPr>
+            <a:spLocks noGrp="1"/>
+          </p:cNvSpPr>
+          <p:nvPr>
+            <p:ph type="ftr" sz="quarter" idx="11"/>
+          </p:nvPr>
+        </p:nvSpPr>
+        <p:spPr/>
+        <p:txBody>
+          <a:bodyPr/>
+          <a:lstStyle/>
+          <a:p>
+            <a:r>
+              <a:rPr lang="en-GB" smtClean="0"/>
+              <a:t>SE2 - Project B</a:t>
+            </a:r>
+            <a:endParaRPr lang="en-GB"/>
+          </a:p>
+        </p:txBody>
+      </p:sp>
+      <p:sp>
+        <p:nvSpPr>
+          <p:cNvPr id="8" name="Slide Number Placeholder 7"/>
+          <p:cNvSpPr>
+            <a:spLocks noGrp="1"/>
+          </p:cNvSpPr>
+          <p:nvPr>
+            <p:ph type="sldNum" sz="quarter" idx="12"/>
+          </p:nvPr>
+        </p:nvSpPr>
+        <p:spPr/>
+        <p:txBody>
+          <a:bodyPr/>
+          <a:lstStyle/>
+          <a:p>
+            <a:fld id="{7A22D47D-C122-41D5-A499-5D5EB595B463}" type="slidenum">
+              <a:rPr lang="en-GB" smtClean="0"/>
+              <a:t>4</a:t>
+            </a:fld>
+            <a:endParaRPr lang="en-GB"/>
+          </a:p>
+        </p:txBody>
+      </p:sp>
     </p:spTree>
     <p:extLst>
       <p:ext uri="{BB962C8B-B14F-4D97-AF65-F5344CB8AC3E}">
@@ -7011,6 +7806,13 @@
   <p:clrMapOvr>
     <a:masterClrMapping/>
   </p:clrMapOvr>
+  <p:timing>
+    <p:tnLst>
+      <p:par>
+        <p:cTn id="1" dur="indefinite" restart="never" nodeType="tmRoot"/>
+      </p:par>
+    </p:tnLst>
+  </p:timing>
 </p:sld>
 </file>
 
@@ -7467,6 +8269,75 @@
           </a:graphicData>
         </a:graphic>
       </p:graphicFrame>
+      <p:sp>
+        <p:nvSpPr>
+          <p:cNvPr id="3" name="Date Placeholder 2"/>
+          <p:cNvSpPr>
+            <a:spLocks noGrp="1"/>
+          </p:cNvSpPr>
+          <p:nvPr>
+            <p:ph type="dt" sz="half" idx="10"/>
+          </p:nvPr>
+        </p:nvSpPr>
+        <p:spPr/>
+        <p:txBody>
+          <a:bodyPr/>
+          <a:lstStyle/>
+          <a:p>
+            <a:fld id="{34FA2BB9-D199-4677-B15F-55F2334E0A22}" type="datetime1">
+              <a:rPr lang="en-GB" smtClean="0"/>
+              <a:t>04/05/2016</a:t>
+            </a:fld>
+            <a:endParaRPr lang="en-GB"/>
+          </a:p>
+        </p:txBody>
+      </p:sp>
+      <p:sp>
+        <p:nvSpPr>
+          <p:cNvPr id="4" name="Footer Placeholder 3"/>
+          <p:cNvSpPr>
+            <a:spLocks noGrp="1"/>
+          </p:cNvSpPr>
+          <p:nvPr>
+            <p:ph type="ftr" sz="quarter" idx="11"/>
+          </p:nvPr>
+        </p:nvSpPr>
+        <p:spPr/>
+        <p:txBody>
+          <a:bodyPr/>
+          <a:lstStyle/>
+          <a:p>
+            <a:r>
+              <a:rPr lang="en-GB" smtClean="0"/>
+              <a:t>SE2 - Project B</a:t>
+            </a:r>
+            <a:endParaRPr lang="en-GB"/>
+          </a:p>
+        </p:txBody>
+      </p:sp>
+      <p:sp>
+        <p:nvSpPr>
+          <p:cNvPr id="5" name="Slide Number Placeholder 4"/>
+          <p:cNvSpPr>
+            <a:spLocks noGrp="1"/>
+          </p:cNvSpPr>
+          <p:nvPr>
+            <p:ph type="sldNum" sz="quarter" idx="12"/>
+          </p:nvPr>
+        </p:nvSpPr>
+        <p:spPr/>
+        <p:txBody>
+          <a:bodyPr/>
+          <a:lstStyle/>
+          <a:p>
+            <a:fld id="{7A22D47D-C122-41D5-A499-5D5EB595B463}" type="slidenum">
+              <a:rPr lang="en-GB" smtClean="0"/>
+              <a:t>5</a:t>
+            </a:fld>
+            <a:endParaRPr lang="en-GB"/>
+          </a:p>
+        </p:txBody>
+      </p:sp>
     </p:spTree>
     <p:extLst>
       <p:ext uri="{BB962C8B-B14F-4D97-AF65-F5344CB8AC3E}">
@@ -7477,11 +8348,18 @@
   <p:clrMapOvr>
     <a:masterClrMapping/>
   </p:clrMapOvr>
+  <p:timing>
+    <p:tnLst>
+      <p:par>
+        <p:cTn id="1" dur="indefinite" restart="never" nodeType="tmRoot"/>
+      </p:par>
+    </p:tnLst>
+  </p:timing>
 </p:sld>
 </file>
 
 <file path=ppt/slides/slide6.xml><?xml version="1.0" encoding="utf-8"?>
-<p:sld xmlns:a="http://schemas.openxmlformats.org/drawingml/2006/main" xmlns:r="http://schemas.openxmlformats.org/officeDocument/2006/relationships" xmlns:p="http://schemas.openxmlformats.org/presentationml/2006/main">
+<p:sld xmlns:a="http://schemas.openxmlformats.org/drawingml/2006/main" xmlns:r="http://schemas.openxmlformats.org/officeDocument/2006/relationships" xmlns:p="http://schemas.openxmlformats.org/presentationml/2006/main" show="0">
   <p:cSld>
     <p:spTree>
       <p:nvGrpSpPr>
@@ -7564,8 +8442,8 @@
         </p:blipFill>
         <p:spPr>
           <a:xfrm>
-            <a:off x="1387931" y="2685846"/>
-            <a:ext cx="7175473" cy="4017120"/>
+            <a:off x="2153311" y="2651034"/>
+            <a:ext cx="5644713" cy="3160139"/>
           </a:xfrm>
           <a:prstGeom prst="rect">
             <a:avLst/>
@@ -7602,6 +8480,75 @@
           </a:sp3d>
         </p:spPr>
       </p:pic>
+      <p:sp>
+        <p:nvSpPr>
+          <p:cNvPr id="5" name="Date Placeholder 4"/>
+          <p:cNvSpPr>
+            <a:spLocks noGrp="1"/>
+          </p:cNvSpPr>
+          <p:nvPr>
+            <p:ph type="dt" sz="half" idx="10"/>
+          </p:nvPr>
+        </p:nvSpPr>
+        <p:spPr/>
+        <p:txBody>
+          <a:bodyPr/>
+          <a:lstStyle/>
+          <a:p>
+            <a:fld id="{589087AA-1115-464C-A04C-0877CA7B60B6}" type="datetime1">
+              <a:rPr lang="en-GB" smtClean="0"/>
+              <a:t>04/05/2016</a:t>
+            </a:fld>
+            <a:endParaRPr lang="en-GB"/>
+          </a:p>
+        </p:txBody>
+      </p:sp>
+      <p:sp>
+        <p:nvSpPr>
+          <p:cNvPr id="6" name="Footer Placeholder 5"/>
+          <p:cNvSpPr>
+            <a:spLocks noGrp="1"/>
+          </p:cNvSpPr>
+          <p:nvPr>
+            <p:ph type="ftr" sz="quarter" idx="11"/>
+          </p:nvPr>
+        </p:nvSpPr>
+        <p:spPr/>
+        <p:txBody>
+          <a:bodyPr/>
+          <a:lstStyle/>
+          <a:p>
+            <a:r>
+              <a:rPr lang="en-GB" smtClean="0"/>
+              <a:t>SE2 - Project B</a:t>
+            </a:r>
+            <a:endParaRPr lang="en-GB"/>
+          </a:p>
+        </p:txBody>
+      </p:sp>
+      <p:sp>
+        <p:nvSpPr>
+          <p:cNvPr id="7" name="Slide Number Placeholder 6"/>
+          <p:cNvSpPr>
+            <a:spLocks noGrp="1"/>
+          </p:cNvSpPr>
+          <p:nvPr>
+            <p:ph type="sldNum" sz="quarter" idx="12"/>
+          </p:nvPr>
+        </p:nvSpPr>
+        <p:spPr/>
+        <p:txBody>
+          <a:bodyPr/>
+          <a:lstStyle/>
+          <a:p>
+            <a:fld id="{7A22D47D-C122-41D5-A499-5D5EB595B463}" type="slidenum">
+              <a:rPr lang="en-GB" smtClean="0"/>
+              <a:t>6</a:t>
+            </a:fld>
+            <a:endParaRPr lang="en-GB"/>
+          </a:p>
+        </p:txBody>
+      </p:sp>
     </p:spTree>
     <p:extLst>
       <p:ext uri="{BB962C8B-B14F-4D97-AF65-F5344CB8AC3E}">
@@ -7612,6 +8559,21 @@
   <p:clrMapOvr>
     <a:masterClrMapping/>
   </p:clrMapOvr>
+  <mc:AlternateContent xmlns:mc="http://schemas.openxmlformats.org/markup-compatibility/2006">
+    <mc:Choice xmlns:p14="http://schemas.microsoft.com/office/powerpoint/2010/main" Requires="p14">
+      <p:transition spd="slow" p14:dur="2000"/>
+    </mc:Choice>
+    <mc:Fallback>
+      <p:transition spd="slow"/>
+    </mc:Fallback>
+  </mc:AlternateContent>
+  <p:timing>
+    <p:tnLst>
+      <p:par>
+        <p:cTn id="1" dur="indefinite" restart="never" nodeType="tmRoot"/>
+      </p:par>
+    </p:tnLst>
+  </p:timing>
 </p:sld>
 </file>
 
@@ -7689,7 +8651,15 @@
           <a:p>
             <a:r>
               <a:rPr lang="de-AT" sz="2400" dirty="0" smtClean="0"/>
-              <a:t>Betriebsnähere Erfahrungen (Statt einfach „zu </a:t>
+              <a:t>Betriebsnähere Erfahrungen </a:t>
+            </a:r>
+            <a:r>
+              <a:rPr lang="de-AT" sz="2400" dirty="0" smtClean="0"/>
+              <a:t>(statt </a:t>
+            </a:r>
+            <a:r>
+              <a:rPr lang="de-AT" sz="2400" dirty="0" smtClean="0"/>
+              <a:t>einfach „zu </a:t>
             </a:r>
             <a:r>
               <a:rPr lang="de-AT" sz="2400" dirty="0" err="1" smtClean="0"/>
@@ -7699,6 +8669,24 @@
               <a:rPr lang="de-AT" sz="2400" dirty="0" smtClean="0"/>
               <a:t>“)</a:t>
             </a:r>
+          </a:p>
+          <a:p>
+            <a:r>
+              <a:rPr lang="de-AT" sz="2400" dirty="0" smtClean="0"/>
+              <a:t>Kleiner Deadlines/Meilensteine durch </a:t>
+            </a:r>
+            <a:r>
+              <a:rPr lang="de-AT" sz="2400" dirty="0" err="1" smtClean="0"/>
+              <a:t>S</a:t>
+            </a:r>
+            <a:r>
+              <a:rPr lang="de-AT" sz="2400" dirty="0" err="1" smtClean="0"/>
+              <a:t>crum</a:t>
+            </a:r>
+            <a:r>
+              <a:rPr lang="de-AT" sz="2400" dirty="0" smtClean="0"/>
+              <a:t>.</a:t>
+            </a:r>
             <a:endParaRPr lang="de-AT" sz="2400" dirty="0" smtClean="0"/>
           </a:p>
           <a:p>
@@ -7709,6 +8697,75 @@
           </a:p>
           <a:p>
             <a:endParaRPr lang="en-GB" dirty="0"/>
+          </a:p>
+        </p:txBody>
+      </p:sp>
+      <p:sp>
+        <p:nvSpPr>
+          <p:cNvPr id="4" name="Date Placeholder 3"/>
+          <p:cNvSpPr>
+            <a:spLocks noGrp="1"/>
+          </p:cNvSpPr>
+          <p:nvPr>
+            <p:ph type="dt" sz="half" idx="10"/>
+          </p:nvPr>
+        </p:nvSpPr>
+        <p:spPr/>
+        <p:txBody>
+          <a:bodyPr/>
+          <a:lstStyle/>
+          <a:p>
+            <a:fld id="{D09F2F90-ABA1-47B5-9D08-22445EFB439F}" type="datetime1">
+              <a:rPr lang="en-GB" smtClean="0"/>
+              <a:t>04/05/2016</a:t>
+            </a:fld>
+            <a:endParaRPr lang="en-GB"/>
+          </a:p>
+        </p:txBody>
+      </p:sp>
+      <p:sp>
+        <p:nvSpPr>
+          <p:cNvPr id="5" name="Footer Placeholder 4"/>
+          <p:cNvSpPr>
+            <a:spLocks noGrp="1"/>
+          </p:cNvSpPr>
+          <p:nvPr>
+            <p:ph type="ftr" sz="quarter" idx="11"/>
+          </p:nvPr>
+        </p:nvSpPr>
+        <p:spPr/>
+        <p:txBody>
+          <a:bodyPr/>
+          <a:lstStyle/>
+          <a:p>
+            <a:r>
+              <a:rPr lang="en-GB" smtClean="0"/>
+              <a:t>SE2 - Project B</a:t>
+            </a:r>
+            <a:endParaRPr lang="en-GB"/>
+          </a:p>
+        </p:txBody>
+      </p:sp>
+      <p:sp>
+        <p:nvSpPr>
+          <p:cNvPr id="6" name="Slide Number Placeholder 5"/>
+          <p:cNvSpPr>
+            <a:spLocks noGrp="1"/>
+          </p:cNvSpPr>
+          <p:nvPr>
+            <p:ph type="sldNum" sz="quarter" idx="12"/>
+          </p:nvPr>
+        </p:nvSpPr>
+        <p:spPr/>
+        <p:txBody>
+          <a:bodyPr/>
+          <a:lstStyle/>
+          <a:p>
+            <a:fld id="{7A22D47D-C122-41D5-A499-5D5EB595B463}" type="slidenum">
+              <a:rPr lang="en-GB" smtClean="0"/>
+              <a:t>7</a:t>
+            </a:fld>
+            <a:endParaRPr lang="en-GB"/>
           </a:p>
         </p:txBody>
       </p:sp>
@@ -7722,6 +8779,13 @@
   <p:clrMapOvr>
     <a:masterClrMapping/>
   </p:clrMapOvr>
+  <p:timing>
+    <p:tnLst>
+      <p:par>
+        <p:cTn id="1" dur="indefinite" restart="never" nodeType="tmRoot"/>
+      </p:par>
+    </p:tnLst>
+  </p:timing>
 </p:sld>
 </file>
 
@@ -7787,18 +8851,96 @@
               <a:t>Schwierigkeiten mit </a:t>
             </a:r>
             <a:r>
-              <a:rPr lang="de-AT" sz="2400" dirty="0" smtClean="0"/>
-              <a:t>der </a:t>
-            </a:r>
-            <a:r>
               <a:rPr lang="de-AT" sz="2400" dirty="0" err="1" smtClean="0"/>
               <a:t>GitHub</a:t>
             </a:r>
             <a:r>
               <a:rPr lang="de-AT" sz="2400" dirty="0" smtClean="0"/>
-              <a:t>-Umgebung</a:t>
-            </a:r>
+              <a:t>-Umgebung/Workflow</a:t>
+            </a:r>
+          </a:p>
+          <a:p>
+            <a:r>
+              <a:rPr lang="de-AT" sz="2400" dirty="0" smtClean="0"/>
+              <a:t>Management </a:t>
+            </a:r>
+            <a:r>
+              <a:rPr lang="de-AT" sz="2400" smtClean="0"/>
+              <a:t>&amp; Kommunikation (Overhead)</a:t>
+            </a:r>
+            <a:endParaRPr lang="de-AT" sz="2400" dirty="0" smtClean="0"/>
+          </a:p>
+          <a:p>
             <a:endParaRPr lang="en-GB" sz="2400" dirty="0"/>
+          </a:p>
+        </p:txBody>
+      </p:sp>
+      <p:sp>
+        <p:nvSpPr>
+          <p:cNvPr id="4" name="Date Placeholder 3"/>
+          <p:cNvSpPr>
+            <a:spLocks noGrp="1"/>
+          </p:cNvSpPr>
+          <p:nvPr>
+            <p:ph type="dt" sz="half" idx="10"/>
+          </p:nvPr>
+        </p:nvSpPr>
+        <p:spPr/>
+        <p:txBody>
+          <a:bodyPr/>
+          <a:lstStyle/>
+          <a:p>
+            <a:fld id="{ECD8A372-B843-440D-AD1F-C21B162FE612}" type="datetime1">
+              <a:rPr lang="en-GB" smtClean="0"/>
+              <a:t>04/05/2016</a:t>
+            </a:fld>
+            <a:endParaRPr lang="en-GB"/>
+          </a:p>
+        </p:txBody>
+      </p:sp>
+      <p:sp>
+        <p:nvSpPr>
+          <p:cNvPr id="5" name="Footer Placeholder 4"/>
+          <p:cNvSpPr>
+            <a:spLocks noGrp="1"/>
+          </p:cNvSpPr>
+          <p:nvPr>
+            <p:ph type="ftr" sz="quarter" idx="11"/>
+          </p:nvPr>
+        </p:nvSpPr>
+        <p:spPr/>
+        <p:txBody>
+          <a:bodyPr/>
+          <a:lstStyle/>
+          <a:p>
+            <a:r>
+              <a:rPr lang="en-GB" smtClean="0"/>
+              <a:t>SE2 - Project B</a:t>
+            </a:r>
+            <a:endParaRPr lang="en-GB"/>
+          </a:p>
+        </p:txBody>
+      </p:sp>
+      <p:sp>
+        <p:nvSpPr>
+          <p:cNvPr id="6" name="Slide Number Placeholder 5"/>
+          <p:cNvSpPr>
+            <a:spLocks noGrp="1"/>
+          </p:cNvSpPr>
+          <p:nvPr>
+            <p:ph type="sldNum" sz="quarter" idx="12"/>
+          </p:nvPr>
+        </p:nvSpPr>
+        <p:spPr/>
+        <p:txBody>
+          <a:bodyPr/>
+          <a:lstStyle/>
+          <a:p>
+            <a:fld id="{7A22D47D-C122-41D5-A499-5D5EB595B463}" type="slidenum">
+              <a:rPr lang="en-GB" smtClean="0"/>
+              <a:t>8</a:t>
+            </a:fld>
+            <a:endParaRPr lang="en-GB"/>
           </a:p>
         </p:txBody>
       </p:sp>
@@ -7812,6 +8954,13 @@
   <p:clrMapOvr>
     <a:masterClrMapping/>
   </p:clrMapOvr>
+  <p:timing>
+    <p:tnLst>
+      <p:par>
+        <p:cTn id="1" dur="indefinite" restart="never" nodeType="tmRoot"/>
+      </p:par>
+    </p:tnLst>
+  </p:timing>
 </p:sld>
 </file>
 
@@ -8070,4 +9219,265 @@
     </a:ext>
   </a:extLst>
 </a:theme>
+</file>
+
+<file path=ppt/theme/theme2.xml><?xml version="1.0" encoding="utf-8"?>
+<a:theme xmlns:a="http://schemas.openxmlformats.org/drawingml/2006/main" name="Office Theme">
+  <a:themeElements>
+    <a:clrScheme name="Office">
+      <a:dk1>
+        <a:sysClr val="windowText" lastClr="000000"/>
+      </a:dk1>
+      <a:lt1>
+        <a:sysClr val="window" lastClr="FFFFFF"/>
+      </a:lt1>
+      <a:dk2>
+        <a:srgbClr val="44546A"/>
+      </a:dk2>
+      <a:lt2>
+        <a:srgbClr val="E7E6E6"/>
+      </a:lt2>
+      <a:accent1>
+        <a:srgbClr val="5B9BD5"/>
+      </a:accent1>
+      <a:accent2>
+        <a:srgbClr val="ED7D31"/>
+      </a:accent2>
+      <a:accent3>
+        <a:srgbClr val="A5A5A5"/>
+      </a:accent3>
+      <a:accent4>
+        <a:srgbClr val="FFC000"/>
+      </a:accent4>
+      <a:accent5>
+        <a:srgbClr val="4472C4"/>
+      </a:accent5>
+      <a:accent6>
+        <a:srgbClr val="70AD47"/>
+      </a:accent6>
+      <a:hlink>
+        <a:srgbClr val="0563C1"/>
+      </a:hlink>
+      <a:folHlink>
+        <a:srgbClr val="954F72"/>
+      </a:folHlink>
+    </a:clrScheme>
+    <a:fontScheme name="Office">
+      <a:majorFont>
+        <a:latin typeface="Calibri Light" panose="020F0302020204030204"/>
+        <a:ea typeface=""/>
+        <a:cs typeface=""/>
+        <a:font script="Jpan" typeface="游ゴシック Light"/>
+        <a:font script="Hang" typeface="맑은 고딕"/>
+        <a:font script="Hans" typeface="等线 Light"/>
+        <a:font script="Hant" typeface="新細明體"/>
+        <a:font script="Arab" typeface="Times New Roman"/>
+        <a:font script="Hebr" typeface="Times New Roman"/>
+        <a:font script="Thai" typeface="Angsana New"/>
+        <a:font script="Ethi" typeface="Nyala"/>
+        <a:font script="Beng" typeface="Vrinda"/>
+        <a:font script="Gujr" typeface="Shruti"/>
+        <a:font script="Khmr" typeface="MoolBoran"/>
+        <a:font script="Knda" typeface="Tunga"/>
+        <a:font script="Guru" typeface="Raavi"/>
+        <a:font script="Cans" typeface="Euphemia"/>
+        <a:font script="Cher" typeface="Plantagenet Cherokee"/>
+        <a:font script="Yiii" typeface="Microsoft Yi Baiti"/>
+        <a:font script="Tibt" typeface="Microsoft Himalaya"/>
+        <a:font script="Thaa" typeface="MV Boli"/>
+        <a:font script="Deva" typeface="Mangal"/>
+        <a:font script="Telu" typeface="Gautami"/>
+        <a:font script="Taml" typeface="Latha"/>
+        <a:font script="Syrc" typeface="Estrangelo Edessa"/>
+        <a:font script="Orya" typeface="Kalinga"/>
+        <a:font script="Mlym" typeface="Kartika"/>
+        <a:font script="Laoo" typeface="DokChampa"/>
+        <a:font script="Sinh" typeface="Iskoola Pota"/>
+        <a:font script="Mong" typeface="Mongolian Baiti"/>
+        <a:font script="Viet" typeface="Times New Roman"/>
+        <a:font script="Uigh" typeface="Microsoft Uighur"/>
+        <a:font script="Geor" typeface="Sylfaen"/>
+      </a:majorFont>
+      <a:minorFont>
+        <a:latin typeface="Calibri" panose="020F0502020204030204"/>
+        <a:ea typeface=""/>
+        <a:cs typeface=""/>
+        <a:font script="Jpan" typeface="游ゴシック"/>
+        <a:font script="Hang" typeface="맑은 고딕"/>
+        <a:font script="Hans" typeface="等线"/>
+        <a:font script="Hant" typeface="新細明體"/>
+        <a:font script="Arab" typeface="Arial"/>
+        <a:font script="Hebr" typeface="Arial"/>
+        <a:font script="Thai" typeface="Cordia New"/>
+        <a:font script="Ethi" typeface="Nyala"/>
+        <a:font script="Beng" typeface="Vrinda"/>
+        <a:font script="Gujr" typeface="Shruti"/>
+        <a:font script="Khmr" typeface="DaunPenh"/>
+        <a:font script="Knda" typeface="Tunga"/>
+        <a:font script="Guru" typeface="Raavi"/>
+        <a:font script="Cans" typeface="Euphemia"/>
+        <a:font script="Cher" typeface="Plantagenet Cherokee"/>
+        <a:font script="Yiii" typeface="Microsoft Yi Baiti"/>
+        <a:font script="Tibt" typeface="Microsoft Himalaya"/>
+        <a:font script="Thaa" typeface="MV Boli"/>
+        <a:font script="Deva" typeface="Mangal"/>
+        <a:font script="Telu" typeface="Gautami"/>
+        <a:font script="Taml" typeface="Latha"/>
+        <a:font script="Syrc" typeface="Estrangelo Edessa"/>
+        <a:font script="Orya" typeface="Kalinga"/>
+        <a:font script="Mlym" typeface="Kartika"/>
+        <a:font script="Laoo" typeface="DokChampa"/>
+        <a:font script="Sinh" typeface="Iskoola Pota"/>
+        <a:font script="Mong" typeface="Mongolian Baiti"/>
+        <a:font script="Viet" typeface="Arial"/>
+        <a:font script="Uigh" typeface="Microsoft Uighur"/>
+        <a:font script="Geor" typeface="Sylfaen"/>
+      </a:minorFont>
+    </a:fontScheme>
+    <a:fmtScheme name="Office">
+      <a:fillStyleLst>
+        <a:solidFill>
+          <a:schemeClr val="phClr"/>
+        </a:solidFill>
+        <a:gradFill rotWithShape="1">
+          <a:gsLst>
+            <a:gs pos="0">
+              <a:schemeClr val="phClr">
+                <a:lumMod val="110000"/>
+                <a:satMod val="105000"/>
+                <a:tint val="67000"/>
+              </a:schemeClr>
+            </a:gs>
+            <a:gs pos="50000">
+              <a:schemeClr val="phClr">
+                <a:lumMod val="105000"/>
+                <a:satMod val="103000"/>
+                <a:tint val="73000"/>
+              </a:schemeClr>
+            </a:gs>
+            <a:gs pos="100000">
+              <a:schemeClr val="phClr">
+                <a:lumMod val="105000"/>
+                <a:satMod val="109000"/>
+                <a:tint val="81000"/>
+              </a:schemeClr>
+            </a:gs>
+          </a:gsLst>
+          <a:lin ang="5400000" scaled="0"/>
+        </a:gradFill>
+        <a:gradFill rotWithShape="1">
+          <a:gsLst>
+            <a:gs pos="0">
+              <a:schemeClr val="phClr">
+                <a:satMod val="103000"/>
+                <a:lumMod val="102000"/>
+                <a:tint val="94000"/>
+              </a:schemeClr>
+            </a:gs>
+            <a:gs pos="50000">
+              <a:schemeClr val="phClr">
+                <a:satMod val="110000"/>
+                <a:lumMod val="100000"/>
+                <a:shade val="100000"/>
+              </a:schemeClr>
+            </a:gs>
+            <a:gs pos="100000">
+              <a:schemeClr val="phClr">
+                <a:lumMod val="99000"/>
+                <a:satMod val="120000"/>
+                <a:shade val="78000"/>
+              </a:schemeClr>
+            </a:gs>
+          </a:gsLst>
+          <a:lin ang="5400000" scaled="0"/>
+        </a:gradFill>
+      </a:fillStyleLst>
+      <a:lnStyleLst>
+        <a:ln w="6350" cap="flat" cmpd="sng" algn="ctr">
+          <a:solidFill>
+            <a:schemeClr val="phClr"/>
+          </a:solidFill>
+          <a:prstDash val="solid"/>
+          <a:miter lim="800000"/>
+        </a:ln>
+        <a:ln w="12700" cap="flat" cmpd="sng" algn="ctr">
+          <a:solidFill>
+            <a:schemeClr val="phClr"/>
+          </a:solidFill>
+          <a:prstDash val="solid"/>
+          <a:miter lim="800000"/>
+        </a:ln>
+        <a:ln w="19050" cap="flat" cmpd="sng" algn="ctr">
+          <a:solidFill>
+            <a:schemeClr val="phClr"/>
+          </a:solidFill>
+          <a:prstDash val="solid"/>
+          <a:miter lim="800000"/>
+        </a:ln>
+      </a:lnStyleLst>
+      <a:effectStyleLst>
+        <a:effectStyle>
+          <a:effectLst/>
+        </a:effectStyle>
+        <a:effectStyle>
+          <a:effectLst/>
+        </a:effectStyle>
+        <a:effectStyle>
+          <a:effectLst>
+            <a:outerShdw blurRad="57150" dist="19050" dir="5400000" algn="ctr" rotWithShape="0">
+              <a:srgbClr val="000000">
+                <a:alpha val="63000"/>
+              </a:srgbClr>
+            </a:outerShdw>
+          </a:effectLst>
+        </a:effectStyle>
+      </a:effectStyleLst>
+      <a:bgFillStyleLst>
+        <a:solidFill>
+          <a:schemeClr val="phClr"/>
+        </a:solidFill>
+        <a:solidFill>
+          <a:schemeClr val="phClr">
+            <a:tint val="95000"/>
+            <a:satMod val="170000"/>
+          </a:schemeClr>
+        </a:solidFill>
+        <a:gradFill rotWithShape="1">
+          <a:gsLst>
+            <a:gs pos="0">
+              <a:schemeClr val="phClr">
+                <a:tint val="93000"/>
+                <a:satMod val="150000"/>
+                <a:shade val="98000"/>
+                <a:lumMod val="102000"/>
+              </a:schemeClr>
+            </a:gs>
+            <a:gs pos="50000">
+              <a:schemeClr val="phClr">
+                <a:tint val="98000"/>
+                <a:satMod val="130000"/>
+                <a:shade val="90000"/>
+                <a:lumMod val="103000"/>
+              </a:schemeClr>
+            </a:gs>
+            <a:gs pos="100000">
+              <a:schemeClr val="phClr">
+                <a:shade val="63000"/>
+                <a:satMod val="120000"/>
+              </a:schemeClr>
+            </a:gs>
+          </a:gsLst>
+          <a:lin ang="5400000" scaled="0"/>
+        </a:gradFill>
+      </a:bgFillStyleLst>
+    </a:fmtScheme>
+  </a:themeElements>
+  <a:objectDefaults/>
+  <a:extraClrSchemeLst/>
+  <a:extLst>
+    <a:ext uri="{05A4C25C-085E-4340-85A3-A5531E510DB2}">
+      <thm15:themeFamily xmlns:thm15="http://schemas.microsoft.com/office/thememl/2012/main" name="Office Theme" id="{62F939B6-93AF-4DB8-9C6B-D6C7DFDC589F}" vid="{4A3C46E8-61CC-4603-A589-7422A47A8E4A}"/>
+    </a:ext>
+  </a:extLst>
+</a:theme>
 </file>
--- a/Präsentation_Project.pptx
+++ b/Präsentation_Project.pptx
@@ -4,6 +4,9 @@
   <p:sldMasterIdLst>
     <p:sldMasterId id="2147483660" r:id="rId1"/>
   </p:sldMasterIdLst>
+  <p:notesMasterIdLst>
+    <p:notesMasterId r:id="rId10"/>
+  </p:notesMasterIdLst>
   <p:sldIdLst>
     <p:sldId id="256" r:id="rId2"/>
     <p:sldId id="264" r:id="rId3"/>
@@ -111,7 +114,362 @@
       </a:defRPr>
     </a:lvl9pPr>
   </p:defaultTextStyle>
+  <p:extLst>
+    <p:ext uri="{EFAFB233-063F-42B5-8137-9DF3F51BA10A}">
+      <p15:sldGuideLst xmlns:p15="http://schemas.microsoft.com/office/powerpoint/2012/main"/>
+    </p:ext>
+  </p:extLst>
 </p:presentation>
+</file>
+
+<file path=ppt/notesMasters/notesMaster1.xml><?xml version="1.0" encoding="utf-8"?>
+<p:notesMaster xmlns:a="http://schemas.openxmlformats.org/drawingml/2006/main" xmlns:r="http://schemas.openxmlformats.org/officeDocument/2006/relationships" xmlns:p="http://schemas.openxmlformats.org/presentationml/2006/main">
+  <p:cSld>
+    <p:bg>
+      <p:bgRef idx="1001">
+        <a:schemeClr val="bg1"/>
+      </p:bgRef>
+    </p:bg>
+    <p:spTree>
+      <p:nvGrpSpPr>
+        <p:cNvPr id="1" name=""/>
+        <p:cNvGrpSpPr/>
+        <p:nvPr/>
+      </p:nvGrpSpPr>
+      <p:grpSpPr>
+        <a:xfrm>
+          <a:off x="0" y="0"/>
+          <a:ext cx="0" cy="0"/>
+          <a:chOff x="0" y="0"/>
+          <a:chExt cx="0" cy="0"/>
+        </a:xfrm>
+      </p:grpSpPr>
+      <p:sp>
+        <p:nvSpPr>
+          <p:cNvPr id="2" name="Header Placeholder 1"/>
+          <p:cNvSpPr>
+            <a:spLocks noGrp="1"/>
+          </p:cNvSpPr>
+          <p:nvPr>
+            <p:ph type="hdr" sz="quarter"/>
+          </p:nvPr>
+        </p:nvSpPr>
+        <p:spPr>
+          <a:xfrm>
+            <a:off x="0" y="0"/>
+            <a:ext cx="2971800" cy="458788"/>
+          </a:xfrm>
+          <a:prstGeom prst="rect">
+            <a:avLst/>
+          </a:prstGeom>
+        </p:spPr>
+        <p:txBody>
+          <a:bodyPr vert="horz" lIns="91440" tIns="45720" rIns="91440" bIns="45720" rtlCol="0"/>
+          <a:lstStyle>
+            <a:lvl1pPr algn="l">
+              <a:defRPr sz="1200"/>
+            </a:lvl1pPr>
+          </a:lstStyle>
+          <a:p>
+            <a:endParaRPr lang="de-AT"/>
+          </a:p>
+        </p:txBody>
+      </p:sp>
+      <p:sp>
+        <p:nvSpPr>
+          <p:cNvPr id="3" name="Date Placeholder 2"/>
+          <p:cNvSpPr>
+            <a:spLocks noGrp="1"/>
+          </p:cNvSpPr>
+          <p:nvPr>
+            <p:ph type="dt" idx="1"/>
+          </p:nvPr>
+        </p:nvSpPr>
+        <p:spPr>
+          <a:xfrm>
+            <a:off x="3884613" y="0"/>
+            <a:ext cx="2971800" cy="458788"/>
+          </a:xfrm>
+          <a:prstGeom prst="rect">
+            <a:avLst/>
+          </a:prstGeom>
+        </p:spPr>
+        <p:txBody>
+          <a:bodyPr vert="horz" lIns="91440" tIns="45720" rIns="91440" bIns="45720" rtlCol="0"/>
+          <a:lstStyle>
+            <a:lvl1pPr algn="r">
+              <a:defRPr sz="1200"/>
+            </a:lvl1pPr>
+          </a:lstStyle>
+          <a:p>
+            <a:fld id="{533DA362-41EE-4DFF-8118-0658AD5F535B}" type="datetimeFigureOut">
+              <a:rPr lang="de-AT" smtClean="0"/>
+              <a:t>04.05.2016</a:t>
+            </a:fld>
+            <a:endParaRPr lang="de-AT"/>
+          </a:p>
+        </p:txBody>
+      </p:sp>
+      <p:sp>
+        <p:nvSpPr>
+          <p:cNvPr id="4" name="Slide Image Placeholder 3"/>
+          <p:cNvSpPr>
+            <a:spLocks noGrp="1" noRot="1" noChangeAspect="1"/>
+          </p:cNvSpPr>
+          <p:nvPr>
+            <p:ph type="sldImg" idx="2"/>
+          </p:nvPr>
+        </p:nvSpPr>
+        <p:spPr>
+          <a:xfrm>
+            <a:off x="685800" y="1143000"/>
+            <a:ext cx="5486400" cy="3086100"/>
+          </a:xfrm>
+          <a:prstGeom prst="rect">
+            <a:avLst/>
+          </a:prstGeom>
+          <a:noFill/>
+          <a:ln w="12700">
+            <a:solidFill>
+              <a:prstClr val="black"/>
+            </a:solidFill>
+          </a:ln>
+        </p:spPr>
+        <p:txBody>
+          <a:bodyPr vert="horz" lIns="91440" tIns="45720" rIns="91440" bIns="45720" rtlCol="0" anchor="ctr"/>
+          <a:lstStyle/>
+          <a:p>
+            <a:endParaRPr lang="de-AT"/>
+          </a:p>
+        </p:txBody>
+      </p:sp>
+      <p:sp>
+        <p:nvSpPr>
+          <p:cNvPr id="5" name="Notes Placeholder 4"/>
+          <p:cNvSpPr>
+            <a:spLocks noGrp="1"/>
+          </p:cNvSpPr>
+          <p:nvPr>
+            <p:ph type="body" sz="quarter" idx="3"/>
+          </p:nvPr>
+        </p:nvSpPr>
+        <p:spPr>
+          <a:xfrm>
+            <a:off x="685800" y="4400550"/>
+            <a:ext cx="5486400" cy="3600450"/>
+          </a:xfrm>
+          <a:prstGeom prst="rect">
+            <a:avLst/>
+          </a:prstGeom>
+        </p:spPr>
+        <p:txBody>
+          <a:bodyPr vert="horz" lIns="91440" tIns="45720" rIns="91440" bIns="45720" rtlCol="0"/>
+          <a:lstStyle/>
+          <a:p>
+            <a:pPr lvl="0"/>
+            <a:r>
+              <a:rPr lang="en-US" smtClean="0"/>
+              <a:t>Edit Master text styles</a:t>
+            </a:r>
+          </a:p>
+          <a:p>
+            <a:pPr lvl="1"/>
+            <a:r>
+              <a:rPr lang="en-US" smtClean="0"/>
+              <a:t>Second level</a:t>
+            </a:r>
+          </a:p>
+          <a:p>
+            <a:pPr lvl="2"/>
+            <a:r>
+              <a:rPr lang="en-US" smtClean="0"/>
+              <a:t>Third level</a:t>
+            </a:r>
+          </a:p>
+          <a:p>
+            <a:pPr lvl="3"/>
+            <a:r>
+              <a:rPr lang="en-US" smtClean="0"/>
+              <a:t>Fourth level</a:t>
+            </a:r>
+          </a:p>
+          <a:p>
+            <a:pPr lvl="4"/>
+            <a:r>
+              <a:rPr lang="en-US" smtClean="0"/>
+              <a:t>Fifth level</a:t>
+            </a:r>
+            <a:endParaRPr lang="de-AT"/>
+          </a:p>
+        </p:txBody>
+      </p:sp>
+      <p:sp>
+        <p:nvSpPr>
+          <p:cNvPr id="6" name="Footer Placeholder 5"/>
+          <p:cNvSpPr>
+            <a:spLocks noGrp="1"/>
+          </p:cNvSpPr>
+          <p:nvPr>
+            <p:ph type="ftr" sz="quarter" idx="4"/>
+          </p:nvPr>
+        </p:nvSpPr>
+        <p:spPr>
+          <a:xfrm>
+            <a:off x="0" y="8685213"/>
+            <a:ext cx="2971800" cy="458787"/>
+          </a:xfrm>
+          <a:prstGeom prst="rect">
+            <a:avLst/>
+          </a:prstGeom>
+        </p:spPr>
+        <p:txBody>
+          <a:bodyPr vert="horz" lIns="91440" tIns="45720" rIns="91440" bIns="45720" rtlCol="0" anchor="b"/>
+          <a:lstStyle>
+            <a:lvl1pPr algn="l">
+              <a:defRPr sz="1200"/>
+            </a:lvl1pPr>
+          </a:lstStyle>
+          <a:p>
+            <a:endParaRPr lang="de-AT"/>
+          </a:p>
+        </p:txBody>
+      </p:sp>
+      <p:sp>
+        <p:nvSpPr>
+          <p:cNvPr id="7" name="Slide Number Placeholder 6"/>
+          <p:cNvSpPr>
+            <a:spLocks noGrp="1"/>
+          </p:cNvSpPr>
+          <p:nvPr>
+            <p:ph type="sldNum" sz="quarter" idx="5"/>
+          </p:nvPr>
+        </p:nvSpPr>
+        <p:spPr>
+          <a:xfrm>
+            <a:off x="3884613" y="8685213"/>
+            <a:ext cx="2971800" cy="458787"/>
+          </a:xfrm>
+          <a:prstGeom prst="rect">
+            <a:avLst/>
+          </a:prstGeom>
+        </p:spPr>
+        <p:txBody>
+          <a:bodyPr vert="horz" lIns="91440" tIns="45720" rIns="91440" bIns="45720" rtlCol="0" anchor="b"/>
+          <a:lstStyle>
+            <a:lvl1pPr algn="r">
+              <a:defRPr sz="1200"/>
+            </a:lvl1pPr>
+          </a:lstStyle>
+          <a:p>
+            <a:fld id="{CAE44836-E071-4963-AF04-0DFC483A81A3}" type="slidenum">
+              <a:rPr lang="de-AT" smtClean="0"/>
+              <a:t>‹#›</a:t>
+            </a:fld>
+            <a:endParaRPr lang="de-AT"/>
+          </a:p>
+        </p:txBody>
+      </p:sp>
+    </p:spTree>
+    <p:extLst>
+      <p:ext uri="{BB962C8B-B14F-4D97-AF65-F5344CB8AC3E}">
+        <p14:creationId xmlns:p14="http://schemas.microsoft.com/office/powerpoint/2010/main" val="1033217623"/>
+      </p:ext>
+    </p:extLst>
+  </p:cSld>
+  <p:clrMap bg1="lt1" tx1="dk1" bg2="lt2" tx2="dk2" accent1="accent1" accent2="accent2" accent3="accent3" accent4="accent4" accent5="accent5" accent6="accent6" hlink="hlink" folHlink="folHlink"/>
+  <p:notesStyle>
+    <a:lvl1pPr marL="0" algn="l" defTabSz="914400" rtl="0" eaLnBrk="1" latinLnBrk="0" hangingPunct="1">
+      <a:defRPr sz="1200" kern="1200">
+        <a:solidFill>
+          <a:schemeClr val="tx1"/>
+        </a:solidFill>
+        <a:latin typeface="+mn-lt"/>
+        <a:ea typeface="+mn-ea"/>
+        <a:cs typeface="+mn-cs"/>
+      </a:defRPr>
+    </a:lvl1pPr>
+    <a:lvl2pPr marL="457200" algn="l" defTabSz="914400" rtl="0" eaLnBrk="1" latinLnBrk="0" hangingPunct="1">
+      <a:defRPr sz="1200" kern="1200">
+        <a:solidFill>
+          <a:schemeClr val="tx1"/>
+        </a:solidFill>
+        <a:latin typeface="+mn-lt"/>
+        <a:ea typeface="+mn-ea"/>
+        <a:cs typeface="+mn-cs"/>
+      </a:defRPr>
+    </a:lvl2pPr>
+    <a:lvl3pPr marL="914400" algn="l" defTabSz="914400" rtl="0" eaLnBrk="1" latinLnBrk="0" hangingPunct="1">
+      <a:defRPr sz="1200" kern="1200">
+        <a:solidFill>
+          <a:schemeClr val="tx1"/>
+        </a:solidFill>
+        <a:latin typeface="+mn-lt"/>
+        <a:ea typeface="+mn-ea"/>
+        <a:cs typeface="+mn-cs"/>
+      </a:defRPr>
+    </a:lvl3pPr>
+    <a:lvl4pPr marL="1371600" algn="l" defTabSz="914400" rtl="0" eaLnBrk="1" latinLnBrk="0" hangingPunct="1">
+      <a:defRPr sz="1200" kern="1200">
+        <a:solidFill>
+          <a:schemeClr val="tx1"/>
+        </a:solidFill>
+        <a:latin typeface="+mn-lt"/>
+        <a:ea typeface="+mn-ea"/>
+        <a:cs typeface="+mn-cs"/>
+      </a:defRPr>
+    </a:lvl4pPr>
+    <a:lvl5pPr marL="1828800" algn="l" defTabSz="914400" rtl="0" eaLnBrk="1" latinLnBrk="0" hangingPunct="1">
+      <a:defRPr sz="1200" kern="1200">
+        <a:solidFill>
+          <a:schemeClr val="tx1"/>
+        </a:solidFill>
+        <a:latin typeface="+mn-lt"/>
+        <a:ea typeface="+mn-ea"/>
+        <a:cs typeface="+mn-cs"/>
+      </a:defRPr>
+    </a:lvl5pPr>
+    <a:lvl6pPr marL="2286000" algn="l" defTabSz="914400" rtl="0" eaLnBrk="1" latinLnBrk="0" hangingPunct="1">
+      <a:defRPr sz="1200" kern="1200">
+        <a:solidFill>
+          <a:schemeClr val="tx1"/>
+        </a:solidFill>
+        <a:latin typeface="+mn-lt"/>
+        <a:ea typeface="+mn-ea"/>
+        <a:cs typeface="+mn-cs"/>
+      </a:defRPr>
+    </a:lvl6pPr>
+    <a:lvl7pPr marL="2743200" algn="l" defTabSz="914400" rtl="0" eaLnBrk="1" latinLnBrk="0" hangingPunct="1">
+      <a:defRPr sz="1200" kern="1200">
+        <a:solidFill>
+          <a:schemeClr val="tx1"/>
+        </a:solidFill>
+        <a:latin typeface="+mn-lt"/>
+        <a:ea typeface="+mn-ea"/>
+        <a:cs typeface="+mn-cs"/>
+      </a:defRPr>
+    </a:lvl7pPr>
+    <a:lvl8pPr marL="3200400" algn="l" defTabSz="914400" rtl="0" eaLnBrk="1" latinLnBrk="0" hangingPunct="1">
+      <a:defRPr sz="1200" kern="1200">
+        <a:solidFill>
+          <a:schemeClr val="tx1"/>
+        </a:solidFill>
+        <a:latin typeface="+mn-lt"/>
+        <a:ea typeface="+mn-ea"/>
+        <a:cs typeface="+mn-cs"/>
+      </a:defRPr>
+    </a:lvl8pPr>
+    <a:lvl9pPr marL="3657600" algn="l" defTabSz="914400" rtl="0" eaLnBrk="1" latinLnBrk="0" hangingPunct="1">
+      <a:defRPr sz="1200" kern="1200">
+        <a:solidFill>
+          <a:schemeClr val="tx1"/>
+        </a:solidFill>
+        <a:latin typeface="+mn-lt"/>
+        <a:ea typeface="+mn-ea"/>
+        <a:cs typeface="+mn-cs"/>
+      </a:defRPr>
+    </a:lvl9pPr>
+  </p:notesStyle>
+</p:notesMaster>
 </file>
 
 <file path=ppt/slideLayouts/slideLayout1.xml><?xml version="1.0" encoding="utf-8"?>
@@ -834,9 +1192,9 @@
           <a:bodyPr/>
           <a:lstStyle/>
           <a:p>
-            <a:fld id="{CA98FB18-585B-4C7B-A660-A147AAF376FA}" type="datetimeFigureOut">
+            <a:fld id="{A5060A2E-3E67-4A76-96C8-883131501C10}" type="datetime1">
               <a:rPr lang="en-GB" smtClean="0"/>
-              <a:t>03/05/2016</a:t>
+              <a:t>04/05/2016</a:t>
             </a:fld>
             <a:endParaRPr lang="en-GB"/>
           </a:p>
@@ -857,6 +1215,10 @@
           <a:bodyPr/>
           <a:lstStyle/>
           <a:p>
+            <a:r>
+              <a:rPr lang="en-GB" smtClean="0"/>
+              <a:t>SE2 - Project B</a:t>
+            </a:r>
             <a:endParaRPr lang="en-GB"/>
           </a:p>
         </p:txBody>
@@ -878,7 +1240,7 @@
           <a:p>
             <a:fld id="{7A22D47D-C122-41D5-A499-5D5EB595B463}" type="slidenum">
               <a:rPr lang="en-GB" smtClean="0"/>
-              <a:t>‹Nr.›</a:t>
+              <a:t>‹#›</a:t>
             </a:fld>
             <a:endParaRPr lang="en-GB"/>
           </a:p>
@@ -1085,9 +1447,9 @@
           <a:bodyPr/>
           <a:lstStyle/>
           <a:p>
-            <a:fld id="{CA98FB18-585B-4C7B-A660-A147AAF376FA}" type="datetimeFigureOut">
+            <a:fld id="{D3904475-179B-4921-8A52-B34799F1A203}" type="datetime1">
               <a:rPr lang="en-GB" smtClean="0"/>
-              <a:t>03/05/2016</a:t>
+              <a:t>04/05/2016</a:t>
             </a:fld>
             <a:endParaRPr lang="en-GB"/>
           </a:p>
@@ -1108,6 +1470,10 @@
           <a:bodyPr/>
           <a:lstStyle/>
           <a:p>
+            <a:r>
+              <a:rPr lang="en-GB" smtClean="0"/>
+              <a:t>SE2 - Project B</a:t>
+            </a:r>
             <a:endParaRPr lang="en-GB"/>
           </a:p>
         </p:txBody>
@@ -1129,7 +1495,7 @@
           <a:p>
             <a:fld id="{7A22D47D-C122-41D5-A499-5D5EB595B463}" type="slidenum">
               <a:rPr lang="en-GB" smtClean="0"/>
-              <a:t>‹Nr.›</a:t>
+              <a:t>‹#›</a:t>
             </a:fld>
             <a:endParaRPr lang="en-GB"/>
           </a:p>
@@ -1399,9 +1765,9 @@
           <a:bodyPr/>
           <a:lstStyle/>
           <a:p>
-            <a:fld id="{CA98FB18-585B-4C7B-A660-A147AAF376FA}" type="datetimeFigureOut">
+            <a:fld id="{A3A5797F-6C47-4C94-BB33-115956084DFA}" type="datetime1">
               <a:rPr lang="en-GB" smtClean="0"/>
-              <a:t>03/05/2016</a:t>
+              <a:t>04/05/2016</a:t>
             </a:fld>
             <a:endParaRPr lang="en-GB"/>
           </a:p>
@@ -1422,6 +1788,10 @@
           <a:bodyPr/>
           <a:lstStyle/>
           <a:p>
+            <a:r>
+              <a:rPr lang="en-GB" smtClean="0"/>
+              <a:t>SE2 - Project B</a:t>
+            </a:r>
             <a:endParaRPr lang="en-GB"/>
           </a:p>
         </p:txBody>
@@ -1443,7 +1813,7 @@
           <a:p>
             <a:fld id="{7A22D47D-C122-41D5-A499-5D5EB595B463}" type="slidenum">
               <a:rPr lang="en-GB" smtClean="0"/>
-              <a:t>‹Nr.›</a:t>
+              <a:t>‹#›</a:t>
             </a:fld>
             <a:endParaRPr lang="en-GB"/>
           </a:p>
@@ -1740,9 +2110,9 @@
           <a:bodyPr/>
           <a:lstStyle/>
           <a:p>
-            <a:fld id="{CA98FB18-585B-4C7B-A660-A147AAF376FA}" type="datetimeFigureOut">
+            <a:fld id="{4BD6A40B-6AB0-4CE8-9981-AD4C4BFA3CF4}" type="datetime1">
               <a:rPr lang="en-GB" smtClean="0"/>
-              <a:t>03/05/2016</a:t>
+              <a:t>04/05/2016</a:t>
             </a:fld>
             <a:endParaRPr lang="en-GB"/>
           </a:p>
@@ -1763,6 +2133,10 @@
           <a:bodyPr/>
           <a:lstStyle/>
           <a:p>
+            <a:r>
+              <a:rPr lang="en-GB" smtClean="0"/>
+              <a:t>SE2 - Project B</a:t>
+            </a:r>
             <a:endParaRPr lang="en-GB"/>
           </a:p>
         </p:txBody>
@@ -1784,7 +2158,7 @@
           <a:p>
             <a:fld id="{7A22D47D-C122-41D5-A499-5D5EB595B463}" type="slidenum">
               <a:rPr lang="en-GB" smtClean="0"/>
-              <a:t>‹Nr.›</a:t>
+              <a:t>‹#›</a:t>
             </a:fld>
             <a:endParaRPr lang="en-GB"/>
           </a:p>
@@ -2054,9 +2428,9 @@
           <a:bodyPr/>
           <a:lstStyle/>
           <a:p>
-            <a:fld id="{CA98FB18-585B-4C7B-A660-A147AAF376FA}" type="datetimeFigureOut">
+            <a:fld id="{540C09C8-0277-44E5-B971-E4461C736601}" type="datetime1">
               <a:rPr lang="en-GB" smtClean="0"/>
-              <a:t>03/05/2016</a:t>
+              <a:t>04/05/2016</a:t>
             </a:fld>
             <a:endParaRPr lang="en-GB"/>
           </a:p>
@@ -2077,6 +2451,10 @@
           <a:bodyPr/>
           <a:lstStyle/>
           <a:p>
+            <a:r>
+              <a:rPr lang="en-GB" smtClean="0"/>
+              <a:t>SE2 - Project B</a:t>
+            </a:r>
             <a:endParaRPr lang="en-GB"/>
           </a:p>
         </p:txBody>
@@ -2098,7 +2476,7 @@
           <a:p>
             <a:fld id="{7A22D47D-C122-41D5-A499-5D5EB595B463}" type="slidenum">
               <a:rPr lang="en-GB" smtClean="0"/>
-              <a:t>‹Nr.›</a:t>
+              <a:t>‹#›</a:t>
             </a:fld>
             <a:endParaRPr lang="en-GB"/>
           </a:p>
@@ -2447,9 +2825,9 @@
           <a:bodyPr/>
           <a:lstStyle/>
           <a:p>
-            <a:fld id="{CA98FB18-585B-4C7B-A660-A147AAF376FA}" type="datetimeFigureOut">
+            <a:fld id="{7AE557CC-3537-4B22-A0DD-38D23D730223}" type="datetime1">
               <a:rPr lang="en-GB" smtClean="0"/>
-              <a:t>03/05/2016</a:t>
+              <a:t>04/05/2016</a:t>
             </a:fld>
             <a:endParaRPr lang="en-GB"/>
           </a:p>
@@ -2470,6 +2848,10 @@
           <a:bodyPr/>
           <a:lstStyle/>
           <a:p>
+            <a:r>
+              <a:rPr lang="en-GB" smtClean="0"/>
+              <a:t>SE2 - Project B</a:t>
+            </a:r>
             <a:endParaRPr lang="en-GB"/>
           </a:p>
         </p:txBody>
@@ -2491,7 +2873,7 @@
           <a:p>
             <a:fld id="{7A22D47D-C122-41D5-A499-5D5EB595B463}" type="slidenum">
               <a:rPr lang="en-GB" smtClean="0"/>
-              <a:t>‹Nr.›</a:t>
+              <a:t>‹#›</a:t>
             </a:fld>
             <a:endParaRPr lang="en-GB"/>
           </a:p>
@@ -2617,9 +2999,9 @@
           <a:bodyPr/>
           <a:lstStyle/>
           <a:p>
-            <a:fld id="{CA98FB18-585B-4C7B-A660-A147AAF376FA}" type="datetimeFigureOut">
+            <a:fld id="{75D70800-8C15-4CCC-86E8-C649F66BE661}" type="datetime1">
               <a:rPr lang="en-GB" smtClean="0"/>
-              <a:t>03/05/2016</a:t>
+              <a:t>04/05/2016</a:t>
             </a:fld>
             <a:endParaRPr lang="en-GB"/>
           </a:p>
@@ -2640,6 +3022,10 @@
           <a:bodyPr/>
           <a:lstStyle/>
           <a:p>
+            <a:r>
+              <a:rPr lang="en-GB" smtClean="0"/>
+              <a:t>SE2 - Project B</a:t>
+            </a:r>
             <a:endParaRPr lang="en-GB"/>
           </a:p>
         </p:txBody>
@@ -2661,7 +3047,7 @@
           <a:p>
             <a:fld id="{7A22D47D-C122-41D5-A499-5D5EB595B463}" type="slidenum">
               <a:rPr lang="en-GB" smtClean="0"/>
-              <a:t>‹Nr.›</a:t>
+              <a:t>‹#›</a:t>
             </a:fld>
             <a:endParaRPr lang="en-GB"/>
           </a:p>
@@ -2797,9 +3183,9 @@
           <a:bodyPr/>
           <a:lstStyle/>
           <a:p>
-            <a:fld id="{CA98FB18-585B-4C7B-A660-A147AAF376FA}" type="datetimeFigureOut">
+            <a:fld id="{D46A7865-458B-452D-9EAD-EADB39415DC2}" type="datetime1">
               <a:rPr lang="en-GB" smtClean="0"/>
-              <a:t>03/05/2016</a:t>
+              <a:t>04/05/2016</a:t>
             </a:fld>
             <a:endParaRPr lang="en-GB"/>
           </a:p>
@@ -2820,6 +3206,10 @@
           <a:bodyPr/>
           <a:lstStyle/>
           <a:p>
+            <a:r>
+              <a:rPr lang="en-GB" smtClean="0"/>
+              <a:t>SE2 - Project B</a:t>
+            </a:r>
             <a:endParaRPr lang="en-GB"/>
           </a:p>
         </p:txBody>
@@ -2841,7 +3231,7 @@
           <a:p>
             <a:fld id="{7A22D47D-C122-41D5-A499-5D5EB595B463}" type="slidenum">
               <a:rPr lang="en-GB" smtClean="0"/>
-              <a:t>‹Nr.›</a:t>
+              <a:t>‹#›</a:t>
             </a:fld>
             <a:endParaRPr lang="en-GB"/>
           </a:p>
@@ -2973,9 +3363,9 @@
           <a:bodyPr/>
           <a:lstStyle/>
           <a:p>
-            <a:fld id="{CA98FB18-585B-4C7B-A660-A147AAF376FA}" type="datetimeFigureOut">
+            <a:fld id="{B279C99D-954B-4A1C-A990-030EAAB2A41D}" type="datetime1">
               <a:rPr lang="en-GB" smtClean="0"/>
-              <a:t>03/05/2016</a:t>
+              <a:t>04/05/2016</a:t>
             </a:fld>
             <a:endParaRPr lang="en-GB"/>
           </a:p>
@@ -2996,6 +3386,10 @@
           <a:bodyPr/>
           <a:lstStyle/>
           <a:p>
+            <a:r>
+              <a:rPr lang="en-GB" smtClean="0"/>
+              <a:t>SE2 - Project B</a:t>
+            </a:r>
             <a:endParaRPr lang="en-GB"/>
           </a:p>
         </p:txBody>
@@ -3017,7 +3411,7 @@
           <a:p>
             <a:fld id="{7A22D47D-C122-41D5-A499-5D5EB595B463}" type="slidenum">
               <a:rPr lang="en-GB" smtClean="0"/>
-              <a:t>‹Nr.›</a:t>
+              <a:t>‹#›</a:t>
             </a:fld>
             <a:endParaRPr lang="en-GB"/>
           </a:p>
@@ -3220,9 +3614,9 @@
           <a:bodyPr/>
           <a:lstStyle/>
           <a:p>
-            <a:fld id="{CA98FB18-585B-4C7B-A660-A147AAF376FA}" type="datetimeFigureOut">
+            <a:fld id="{21E1CF7D-FAF4-40AF-BEED-479FFA19D58F}" type="datetime1">
               <a:rPr lang="en-GB" smtClean="0"/>
-              <a:t>03/05/2016</a:t>
+              <a:t>04/05/2016</a:t>
             </a:fld>
             <a:endParaRPr lang="en-GB"/>
           </a:p>
@@ -3243,6 +3637,10 @@
           <a:bodyPr/>
           <a:lstStyle/>
           <a:p>
+            <a:r>
+              <a:rPr lang="en-GB" smtClean="0"/>
+              <a:t>SE2 - Project B</a:t>
+            </a:r>
             <a:endParaRPr lang="en-GB"/>
           </a:p>
         </p:txBody>
@@ -3264,7 +3662,7 @@
           <a:p>
             <a:fld id="{7A22D47D-C122-41D5-A499-5D5EB595B463}" type="slidenum">
               <a:rPr lang="en-GB" smtClean="0"/>
-              <a:t>‹Nr.›</a:t>
+              <a:t>‹#›</a:t>
             </a:fld>
             <a:endParaRPr lang="en-GB"/>
           </a:p>
@@ -3452,9 +3850,9 @@
           <a:bodyPr/>
           <a:lstStyle/>
           <a:p>
-            <a:fld id="{CA98FB18-585B-4C7B-A660-A147AAF376FA}" type="datetimeFigureOut">
+            <a:fld id="{AC71438D-FA26-429C-9CB4-9F6390C30EA0}" type="datetime1">
               <a:rPr lang="en-GB" smtClean="0"/>
-              <a:t>03/05/2016</a:t>
+              <a:t>04/05/2016</a:t>
             </a:fld>
             <a:endParaRPr lang="en-GB"/>
           </a:p>
@@ -3475,6 +3873,10 @@
           <a:bodyPr/>
           <a:lstStyle/>
           <a:p>
+            <a:r>
+              <a:rPr lang="en-GB" smtClean="0"/>
+              <a:t>SE2 - Project B</a:t>
+            </a:r>
             <a:endParaRPr lang="en-GB"/>
           </a:p>
         </p:txBody>
@@ -3496,7 +3898,7 @@
           <a:p>
             <a:fld id="{7A22D47D-C122-41D5-A499-5D5EB595B463}" type="slidenum">
               <a:rPr lang="en-GB" smtClean="0"/>
-              <a:t>‹Nr.›</a:t>
+              <a:t>‹#›</a:t>
             </a:fld>
             <a:endParaRPr lang="en-GB"/>
           </a:p>
@@ -3826,9 +4228,9 @@
           <a:bodyPr/>
           <a:lstStyle/>
           <a:p>
-            <a:fld id="{CA98FB18-585B-4C7B-A660-A147AAF376FA}" type="datetimeFigureOut">
+            <a:fld id="{BB60FF0E-FF58-4381-9D3E-0C6B39B37784}" type="datetime1">
               <a:rPr lang="en-GB" smtClean="0"/>
-              <a:t>03/05/2016</a:t>
+              <a:t>04/05/2016</a:t>
             </a:fld>
             <a:endParaRPr lang="en-GB"/>
           </a:p>
@@ -3849,6 +4251,10 @@
           <a:bodyPr/>
           <a:lstStyle/>
           <a:p>
+            <a:r>
+              <a:rPr lang="en-GB" smtClean="0"/>
+              <a:t>SE2 - Project B</a:t>
+            </a:r>
             <a:endParaRPr lang="en-GB"/>
           </a:p>
         </p:txBody>
@@ -3870,7 +4276,7 @@
           <a:p>
             <a:fld id="{7A22D47D-C122-41D5-A499-5D5EB595B463}" type="slidenum">
               <a:rPr lang="en-GB" smtClean="0"/>
-              <a:t>‹Nr.›</a:t>
+              <a:t>‹#›</a:t>
             </a:fld>
             <a:endParaRPr lang="en-GB"/>
           </a:p>
@@ -3949,9 +4355,9 @@
           <a:bodyPr/>
           <a:lstStyle/>
           <a:p>
-            <a:fld id="{CA98FB18-585B-4C7B-A660-A147AAF376FA}" type="datetimeFigureOut">
+            <a:fld id="{F6596753-EF3B-4A9B-9881-A2959CE12D77}" type="datetime1">
               <a:rPr lang="en-GB" smtClean="0"/>
-              <a:t>03/05/2016</a:t>
+              <a:t>04/05/2016</a:t>
             </a:fld>
             <a:endParaRPr lang="en-GB"/>
           </a:p>
@@ -3972,6 +4378,10 @@
           <a:bodyPr/>
           <a:lstStyle/>
           <a:p>
+            <a:r>
+              <a:rPr lang="en-GB" smtClean="0"/>
+              <a:t>SE2 - Project B</a:t>
+            </a:r>
             <a:endParaRPr lang="en-GB"/>
           </a:p>
         </p:txBody>
@@ -3993,7 +4403,7 @@
           <a:p>
             <a:fld id="{7A22D47D-C122-41D5-A499-5D5EB595B463}" type="slidenum">
               <a:rPr lang="en-GB" smtClean="0"/>
-              <a:t>‹Nr.›</a:t>
+              <a:t>‹#›</a:t>
             </a:fld>
             <a:endParaRPr lang="en-GB"/>
           </a:p>
@@ -4044,9 +4454,9 @@
           <a:bodyPr/>
           <a:lstStyle/>
           <a:p>
-            <a:fld id="{CA98FB18-585B-4C7B-A660-A147AAF376FA}" type="datetimeFigureOut">
+            <a:fld id="{559955FD-5DD9-49CF-94CD-412D20876A73}" type="datetime1">
               <a:rPr lang="en-GB" smtClean="0"/>
-              <a:t>03/05/2016</a:t>
+              <a:t>04/05/2016</a:t>
             </a:fld>
             <a:endParaRPr lang="en-GB"/>
           </a:p>
@@ -4067,6 +4477,10 @@
           <a:bodyPr/>
           <a:lstStyle/>
           <a:p>
+            <a:r>
+              <a:rPr lang="en-GB" smtClean="0"/>
+              <a:t>SE2 - Project B</a:t>
+            </a:r>
             <a:endParaRPr lang="en-GB"/>
           </a:p>
         </p:txBody>
@@ -4088,7 +4502,7 @@
           <a:p>
             <a:fld id="{7A22D47D-C122-41D5-A499-5D5EB595B463}" type="slidenum">
               <a:rPr lang="en-GB" smtClean="0"/>
-              <a:t>‹Nr.›</a:t>
+              <a:t>‹#›</a:t>
             </a:fld>
             <a:endParaRPr lang="en-GB"/>
           </a:p>
@@ -4299,9 +4713,9 @@
           <a:bodyPr/>
           <a:lstStyle/>
           <a:p>
-            <a:fld id="{CA98FB18-585B-4C7B-A660-A147AAF376FA}" type="datetimeFigureOut">
+            <a:fld id="{5A15906A-1CAD-4328-B1E5-2F5E198C05F5}" type="datetime1">
               <a:rPr lang="en-GB" smtClean="0"/>
-              <a:t>03/05/2016</a:t>
+              <a:t>04/05/2016</a:t>
             </a:fld>
             <a:endParaRPr lang="en-GB"/>
           </a:p>
@@ -4322,6 +4736,10 @@
           <a:bodyPr/>
           <a:lstStyle/>
           <a:p>
+            <a:r>
+              <a:rPr lang="en-GB" smtClean="0"/>
+              <a:t>SE2 - Project B</a:t>
+            </a:r>
             <a:endParaRPr lang="en-GB"/>
           </a:p>
         </p:txBody>
@@ -4343,7 +4761,7 @@
           <a:p>
             <a:fld id="{7A22D47D-C122-41D5-A499-5D5EB595B463}" type="slidenum">
               <a:rPr lang="en-GB" smtClean="0"/>
-              <a:t>‹Nr.›</a:t>
+              <a:t>‹#›</a:t>
             </a:fld>
             <a:endParaRPr lang="en-GB"/>
           </a:p>
@@ -4562,9 +4980,9 @@
           <a:bodyPr/>
           <a:lstStyle/>
           <a:p>
-            <a:fld id="{CA98FB18-585B-4C7B-A660-A147AAF376FA}" type="datetimeFigureOut">
+            <a:fld id="{E3C07A6D-23C5-42C8-923D-CC3916BCBE1E}" type="datetime1">
               <a:rPr lang="en-GB" smtClean="0"/>
-              <a:t>03/05/2016</a:t>
+              <a:t>04/05/2016</a:t>
             </a:fld>
             <a:endParaRPr lang="en-GB"/>
           </a:p>
@@ -4585,6 +5003,10 @@
           <a:bodyPr/>
           <a:lstStyle/>
           <a:p>
+            <a:r>
+              <a:rPr lang="en-GB" smtClean="0"/>
+              <a:t>SE2 - Project B</a:t>
+            </a:r>
             <a:endParaRPr lang="en-GB"/>
           </a:p>
         </p:txBody>
@@ -4606,7 +5028,7 @@
           <a:p>
             <a:fld id="{7A22D47D-C122-41D5-A499-5D5EB595B463}" type="slidenum">
               <a:rPr lang="en-GB" smtClean="0"/>
-              <a:t>‹Nr.›</a:t>
+              <a:t>‹#›</a:t>
             </a:fld>
             <a:endParaRPr lang="en-GB"/>
           </a:p>
@@ -5305,9 +5727,9 @@
             </a:lvl1pPr>
           </a:lstStyle>
           <a:p>
-            <a:fld id="{CA98FB18-585B-4C7B-A660-A147AAF376FA}" type="datetimeFigureOut">
+            <a:fld id="{806C467C-4F36-44EC-B8BF-FFA1008E9E8E}" type="datetime1">
               <a:rPr lang="en-GB" smtClean="0"/>
-              <a:t>03/05/2016</a:t>
+              <a:t>04/05/2016</a:t>
             </a:fld>
             <a:endParaRPr lang="en-GB"/>
           </a:p>
@@ -5346,6 +5768,10 @@
             </a:lvl1pPr>
           </a:lstStyle>
           <a:p>
+            <a:r>
+              <a:rPr lang="en-GB" smtClean="0"/>
+              <a:t>SE2 - Project B</a:t>
+            </a:r>
             <a:endParaRPr lang="en-GB"/>
           </a:p>
         </p:txBody>
@@ -5383,7 +5809,7 @@
           <a:p>
             <a:fld id="{7A22D47D-C122-41D5-A499-5D5EB595B463}" type="slidenum">
               <a:rPr lang="en-GB" smtClean="0"/>
-              <a:t>‹Nr.›</a:t>
+              <a:t>‹#›</a:t>
             </a:fld>
             <a:endParaRPr lang="en-GB"/>
           </a:p>
@@ -5415,6 +5841,7 @@
     <p:sldLayoutId id="2147483675" r:id="rId15"/>
     <p:sldLayoutId id="2147483676" r:id="rId16"/>
   </p:sldLayoutIdLst>
+  <p:hf hdr="0"/>
   <p:txStyles>
     <p:titleStyle>
       <a:lvl1pPr algn="l" defTabSz="457200" rtl="0" eaLnBrk="1" latinLnBrk="0" hangingPunct="1">
@@ -5872,21 +6299,13 @@
         </p:spPr>
         <p:txBody>
           <a:bodyPr>
-            <a:normAutofit fontScale="92500"/>
+            <a:normAutofit fontScale="55000" lnSpcReduction="20000"/>
           </a:bodyPr>
           <a:lstStyle/>
           <a:p>
             <a:r>
               <a:rPr lang="en-GB" sz="2200" dirty="0" smtClean="0"/>
-              <a:t>Julian </a:t>
-            </a:r>
-            <a:r>
-              <a:rPr lang="en-GB" sz="2200" dirty="0" err="1" smtClean="0"/>
-              <a:t>Janda</a:t>
-            </a:r>
-            <a:r>
-              <a:rPr lang="en-GB" sz="2200" dirty="0" smtClean="0"/>
-              <a:t>, Markus </a:t>
+              <a:t>Julian Janda, Markus </a:t>
             </a:r>
             <a:r>
               <a:rPr lang="en-GB" sz="2200" dirty="0" err="1" smtClean="0"/>
@@ -5894,7 +6313,34 @@
             </a:r>
             <a:r>
               <a:rPr lang="en-GB" sz="2200" dirty="0" smtClean="0"/>
-              <a:t>, Mergime Neziri, Bernhard Rohr, Anita </a:t>
+              <a:t>, </a:t>
+            </a:r>
+            <a:r>
+              <a:rPr lang="en-GB" sz="2200" dirty="0" err="1" smtClean="0"/>
+              <a:t>Mergime</a:t>
+            </a:r>
+            <a:r>
+              <a:rPr lang="en-GB" sz="2200" dirty="0" smtClean="0"/>
+              <a:t> </a:t>
+            </a:r>
+            <a:r>
+              <a:rPr lang="en-GB" sz="2200" dirty="0" err="1" smtClean="0"/>
+              <a:t>Neziri</a:t>
+            </a:r>
+            <a:r>
+              <a:rPr lang="en-GB" sz="2200" dirty="0" smtClean="0"/>
+              <a:t>,</a:t>
+            </a:r>
+            <a:br>
+              <a:rPr lang="en-GB" sz="2200" dirty="0" smtClean="0"/>
+            </a:br>
+            <a:r>
+              <a:rPr lang="en-GB" sz="2200" dirty="0" smtClean="0"/>
+              <a:t> </a:t>
+            </a:r>
+            <a:r>
+              <a:rPr lang="en-GB" sz="2200" dirty="0" smtClean="0"/>
+              <a:t>Bernhard Rohr, Anita </a:t>
             </a:r>
             <a:r>
               <a:rPr lang="en-GB" sz="2200" dirty="0" err="1" smtClean="0"/>
@@ -5940,6 +6386,75 @@
           </a:extLst>
         </p:spPr>
       </p:pic>
+      <p:sp>
+        <p:nvSpPr>
+          <p:cNvPr id="5" name="Date Placeholder 4"/>
+          <p:cNvSpPr>
+            <a:spLocks noGrp="1"/>
+          </p:cNvSpPr>
+          <p:nvPr>
+            <p:ph type="dt" sz="half" idx="10"/>
+          </p:nvPr>
+        </p:nvSpPr>
+        <p:spPr/>
+        <p:txBody>
+          <a:bodyPr/>
+          <a:lstStyle/>
+          <a:p>
+            <a:fld id="{D235C48C-878F-4564-A136-97D7166BA1B1}" type="datetime1">
+              <a:rPr lang="en-GB" smtClean="0"/>
+              <a:t>04/05/2016</a:t>
+            </a:fld>
+            <a:endParaRPr lang="en-GB"/>
+          </a:p>
+        </p:txBody>
+      </p:sp>
+      <p:sp>
+        <p:nvSpPr>
+          <p:cNvPr id="6" name="Footer Placeholder 5"/>
+          <p:cNvSpPr>
+            <a:spLocks noGrp="1"/>
+          </p:cNvSpPr>
+          <p:nvPr>
+            <p:ph type="ftr" sz="quarter" idx="11"/>
+          </p:nvPr>
+        </p:nvSpPr>
+        <p:spPr/>
+        <p:txBody>
+          <a:bodyPr/>
+          <a:lstStyle/>
+          <a:p>
+            <a:r>
+              <a:rPr lang="en-GB" smtClean="0"/>
+              <a:t>SE2 - Project B</a:t>
+            </a:r>
+            <a:endParaRPr lang="en-GB"/>
+          </a:p>
+        </p:txBody>
+      </p:sp>
+      <p:sp>
+        <p:nvSpPr>
+          <p:cNvPr id="7" name="Slide Number Placeholder 6"/>
+          <p:cNvSpPr>
+            <a:spLocks noGrp="1"/>
+          </p:cNvSpPr>
+          <p:nvPr>
+            <p:ph type="sldNum" sz="quarter" idx="12"/>
+          </p:nvPr>
+        </p:nvSpPr>
+        <p:spPr/>
+        <p:txBody>
+          <a:bodyPr/>
+          <a:lstStyle/>
+          <a:p>
+            <a:fld id="{7A22D47D-C122-41D5-A499-5D5EB595B463}" type="slidenum">
+              <a:rPr lang="en-GB" smtClean="0"/>
+              <a:t>1</a:t>
+            </a:fld>
+            <a:endParaRPr lang="en-GB"/>
+          </a:p>
+        </p:txBody>
+      </p:sp>
     </p:spTree>
     <p:extLst>
       <p:ext uri="{BB962C8B-B14F-4D97-AF65-F5344CB8AC3E}">
@@ -5950,6 +6465,13 @@
   <p:clrMapOvr>
     <a:masterClrMapping/>
   </p:clrMapOvr>
+  <p:timing>
+    <p:tnLst>
+      <p:par>
+        <p:cTn id="1" dur="indefinite" restart="never" nodeType="tmRoot"/>
+      </p:par>
+    </p:tnLst>
+  </p:timing>
 </p:sld>
 </file>
 
@@ -6070,6 +6592,75 @@
           </a:p>
         </p:txBody>
       </p:sp>
+      <p:sp>
+        <p:nvSpPr>
+          <p:cNvPr id="4" name="Date Placeholder 3"/>
+          <p:cNvSpPr>
+            <a:spLocks noGrp="1"/>
+          </p:cNvSpPr>
+          <p:nvPr>
+            <p:ph type="dt" sz="half" idx="10"/>
+          </p:nvPr>
+        </p:nvSpPr>
+        <p:spPr/>
+        <p:txBody>
+          <a:bodyPr/>
+          <a:lstStyle/>
+          <a:p>
+            <a:fld id="{5BB087BB-E3FC-4793-93F8-F63B7674398B}" type="datetime1">
+              <a:rPr lang="en-GB" smtClean="0"/>
+              <a:t>04/05/2016</a:t>
+            </a:fld>
+            <a:endParaRPr lang="en-GB"/>
+          </a:p>
+        </p:txBody>
+      </p:sp>
+      <p:sp>
+        <p:nvSpPr>
+          <p:cNvPr id="5" name="Footer Placeholder 4"/>
+          <p:cNvSpPr>
+            <a:spLocks noGrp="1"/>
+          </p:cNvSpPr>
+          <p:nvPr>
+            <p:ph type="ftr" sz="quarter" idx="11"/>
+          </p:nvPr>
+        </p:nvSpPr>
+        <p:spPr/>
+        <p:txBody>
+          <a:bodyPr/>
+          <a:lstStyle/>
+          <a:p>
+            <a:r>
+              <a:rPr lang="en-GB" smtClean="0"/>
+              <a:t>SE2 - Project B</a:t>
+            </a:r>
+            <a:endParaRPr lang="en-GB"/>
+          </a:p>
+        </p:txBody>
+      </p:sp>
+      <p:sp>
+        <p:nvSpPr>
+          <p:cNvPr id="6" name="Slide Number Placeholder 5"/>
+          <p:cNvSpPr>
+            <a:spLocks noGrp="1"/>
+          </p:cNvSpPr>
+          <p:nvPr>
+            <p:ph type="sldNum" sz="quarter" idx="12"/>
+          </p:nvPr>
+        </p:nvSpPr>
+        <p:spPr/>
+        <p:txBody>
+          <a:bodyPr/>
+          <a:lstStyle/>
+          <a:p>
+            <a:fld id="{7A22D47D-C122-41D5-A499-5D5EB595B463}" type="slidenum">
+              <a:rPr lang="en-GB" smtClean="0"/>
+              <a:t>2</a:t>
+            </a:fld>
+            <a:endParaRPr lang="en-GB"/>
+          </a:p>
+        </p:txBody>
+      </p:sp>
     </p:spTree>
     <p:extLst>
       <p:ext uri="{BB962C8B-B14F-4D97-AF65-F5344CB8AC3E}">
@@ -6080,6 +6671,13 @@
   <p:clrMapOvr>
     <a:masterClrMapping/>
   </p:clrMapOvr>
+  <p:timing>
+    <p:tnLst>
+      <p:par>
+        <p:cTn id="1" dur="indefinite" restart="never" nodeType="tmRoot"/>
+      </p:par>
+    </p:tnLst>
+  </p:timing>
 </p:sld>
 </file>
 
@@ -6141,24 +6739,38 @@
             <p:ph idx="1"/>
           </p:nvPr>
         </p:nvSpPr>
-        <p:spPr/>
+        <p:spPr>
+          <a:xfrm>
+            <a:off x="677334" y="2160589"/>
+            <a:ext cx="7439738" cy="3880773"/>
+          </a:xfrm>
+        </p:spPr>
         <p:txBody>
           <a:bodyPr/>
           <a:lstStyle/>
           <a:p>
             <a:r>
               <a:rPr lang="de-AT" sz="2400" dirty="0" smtClean="0"/>
-              <a:t>Brettspiel</a:t>
-            </a:r>
-          </a:p>
-          <a:p>
+              <a:t>Neue </a:t>
+            </a:r>
             <a:r>
               <a:rPr lang="de-AT" sz="2400" dirty="0" smtClean="0"/>
-              <a:t>Neue Version von </a:t>
+              <a:t>Version von </a:t>
+            </a:r>
+            <a:r>
+              <a:rPr lang="de-AT" sz="2400" dirty="0" smtClean="0"/>
+              <a:t/>
+            </a:r>
+            <a:br>
+              <a:rPr lang="de-AT" sz="2400" dirty="0" smtClean="0"/>
+            </a:br>
+            <a:r>
+              <a:rPr lang="de-AT" sz="2400" dirty="0" smtClean="0"/>
+              <a:t>„</a:t>
             </a:r>
             <a:r>
               <a:rPr lang="de-AT" sz="2400" dirty="0"/>
-              <a:t>„Mensch Ärgere dich nicht</a:t>
+              <a:t>Mensch Ärgere dich nicht</a:t>
             </a:r>
             <a:r>
               <a:rPr lang="de-AT" sz="2400" dirty="0" smtClean="0"/>
@@ -6190,11 +6802,11 @@
             <a:pPr lvl="1"/>
             <a:r>
               <a:rPr lang="de-AT" sz="2000" dirty="0" smtClean="0"/>
-              <a:t>Kreative </a:t>
+              <a:t>Möglichkeiten </a:t>
             </a:r>
             <a:r>
               <a:rPr lang="de-AT" sz="2000" dirty="0"/>
-              <a:t>Möglichkeiten zum Schummeln</a:t>
+              <a:t>zum Schummeln</a:t>
             </a:r>
           </a:p>
           <a:p>
@@ -6225,6 +6837,118 @@
           </a:p>
         </p:txBody>
       </p:sp>
+      <p:sp>
+        <p:nvSpPr>
+          <p:cNvPr id="4" name="Date Placeholder 3"/>
+          <p:cNvSpPr>
+            <a:spLocks noGrp="1"/>
+          </p:cNvSpPr>
+          <p:nvPr>
+            <p:ph type="dt" sz="half" idx="10"/>
+          </p:nvPr>
+        </p:nvSpPr>
+        <p:spPr/>
+        <p:txBody>
+          <a:bodyPr/>
+          <a:lstStyle/>
+          <a:p>
+            <a:fld id="{0C765578-E16C-4023-84AF-4C05C7CED011}" type="datetime1">
+              <a:rPr lang="en-GB" smtClean="0"/>
+              <a:t>04/05/2016</a:t>
+            </a:fld>
+            <a:endParaRPr lang="en-GB"/>
+          </a:p>
+        </p:txBody>
+      </p:sp>
+      <p:sp>
+        <p:nvSpPr>
+          <p:cNvPr id="5" name="Footer Placeholder 4"/>
+          <p:cNvSpPr>
+            <a:spLocks noGrp="1"/>
+          </p:cNvSpPr>
+          <p:nvPr>
+            <p:ph type="ftr" sz="quarter" idx="11"/>
+          </p:nvPr>
+        </p:nvSpPr>
+        <p:spPr/>
+        <p:txBody>
+          <a:bodyPr/>
+          <a:lstStyle/>
+          <a:p>
+            <a:r>
+              <a:rPr lang="en-GB" smtClean="0"/>
+              <a:t>SE2 - Project B</a:t>
+            </a:r>
+            <a:endParaRPr lang="en-GB"/>
+          </a:p>
+        </p:txBody>
+      </p:sp>
+      <p:sp>
+        <p:nvSpPr>
+          <p:cNvPr id="6" name="Slide Number Placeholder 5"/>
+          <p:cNvSpPr>
+            <a:spLocks noGrp="1"/>
+          </p:cNvSpPr>
+          <p:nvPr>
+            <p:ph type="sldNum" sz="quarter" idx="12"/>
+          </p:nvPr>
+        </p:nvSpPr>
+        <p:spPr/>
+        <p:txBody>
+          <a:bodyPr/>
+          <a:lstStyle/>
+          <a:p>
+            <a:fld id="{7A22D47D-C122-41D5-A499-5D5EB595B463}" type="slidenum">
+              <a:rPr lang="en-GB" smtClean="0"/>
+              <a:t>3</a:t>
+            </a:fld>
+            <a:endParaRPr lang="en-GB"/>
+          </a:p>
+        </p:txBody>
+      </p:sp>
+      <p:pic>
+        <p:nvPicPr>
+          <p:cNvPr id="7" name="Picture 6"/>
+          <p:cNvPicPr>
+            <a:picLocks noChangeAspect="1"/>
+          </p:cNvPicPr>
+          <p:nvPr/>
+        </p:nvPicPr>
+        <p:blipFill>
+          <a:blip r:embed="rId2" cstate="print">
+            <a:extLst>
+              <a:ext uri="{28A0092B-C50C-407E-A947-70E740481C1C}">
+                <a14:useLocalDpi xmlns:a14="http://schemas.microsoft.com/office/drawing/2010/main" val="0"/>
+              </a:ext>
+            </a:extLst>
+          </a:blip>
+          <a:stretch>
+            <a:fillRect/>
+          </a:stretch>
+        </p:blipFill>
+        <p:spPr>
+          <a:xfrm>
+            <a:off x="5616604" y="1335124"/>
+            <a:ext cx="4088995" cy="2854119"/>
+          </a:xfrm>
+          <a:prstGeom prst="roundRect">
+            <a:avLst>
+              <a:gd name="adj" fmla="val 3429"/>
+            </a:avLst>
+          </a:prstGeom>
+          <a:solidFill>
+            <a:srgbClr val="FFFFFF">
+              <a:shade val="85000"/>
+            </a:srgbClr>
+          </a:solidFill>
+          <a:ln>
+            <a:noFill/>
+          </a:ln>
+          <a:effectLst>
+            <a:reflection blurRad="12700" stA="38000" endPos="28000" dist="5000" dir="5400000" sy="-100000" algn="bl" rotWithShape="0"/>
+          </a:effectLst>
+        </p:spPr>
+      </p:pic>
     </p:spTree>
     <p:extLst>
       <p:ext uri="{BB962C8B-B14F-4D97-AF65-F5344CB8AC3E}">
@@ -6235,6 +6959,13 @@
   <p:clrMapOvr>
     <a:masterClrMapping/>
   </p:clrMapOvr>
+  <p:timing>
+    <p:tnLst>
+      <p:par>
+        <p:cTn id="1" dur="indefinite" restart="never" nodeType="tmRoot"/>
+      </p:par>
+    </p:tnLst>
+  </p:timing>
 </p:sld>
 </file>
 
@@ -6325,9 +7056,27 @@
                 <a:tableStyleId>{5C22544A-7EE6-4342-B048-85BDC9FD1C3A}</a:tableStyleId>
               </a:tblPr>
               <a:tblGrid>
-                <a:gridCol w="594291"/>
-                <a:gridCol w="6171484"/>
-                <a:gridCol w="1828589"/>
+                <a:gridCol w="594291">
+                  <a:extLst>
+                    <a:ext uri="{9D8B030D-6E8A-4147-A177-3AD203B41FA5}">
+                      <a16:colId xmlns:a16="http://schemas.microsoft.com/office/drawing/2014/main" val="20000"/>
+                    </a:ext>
+                  </a:extLst>
+                </a:gridCol>
+                <a:gridCol w="6171484">
+                  <a:extLst>
+                    <a:ext uri="{9D8B030D-6E8A-4147-A177-3AD203B41FA5}">
+                      <a16:colId xmlns:a16="http://schemas.microsoft.com/office/drawing/2014/main" val="20001"/>
+                    </a:ext>
+                  </a:extLst>
+                </a:gridCol>
+                <a:gridCol w="1828589">
+                  <a:extLst>
+                    <a:ext uri="{9D8B030D-6E8A-4147-A177-3AD203B41FA5}">
+                      <a16:colId xmlns:a16="http://schemas.microsoft.com/office/drawing/2014/main" val="20002"/>
+                    </a:ext>
+                  </a:extLst>
+                </a:gridCol>
               </a:tblGrid>
               <a:tr h="370840">
                 <a:tc>
@@ -6372,6 +7121,11 @@
                   </a:txBody>
                   <a:tcPr/>
                 </a:tc>
+                <a:extLst>
+                  <a:ext uri="{0D108BD9-81ED-4DB2-BD59-A6C34878D82A}">
+                    <a16:rowId xmlns:a16="http://schemas.microsoft.com/office/drawing/2014/main" val="10000"/>
+                  </a:ext>
+                </a:extLst>
               </a:tr>
               <a:tr h="370840">
                 <a:tc>
@@ -6441,6 +7195,11 @@
                   </a:txBody>
                   <a:tcPr/>
                 </a:tc>
+                <a:extLst>
+                  <a:ext uri="{0D108BD9-81ED-4DB2-BD59-A6C34878D82A}">
+                    <a16:rowId xmlns:a16="http://schemas.microsoft.com/office/drawing/2014/main" val="10001"/>
+                  </a:ext>
+                </a:extLst>
               </a:tr>
               <a:tr h="370840">
                 <a:tc>
@@ -6486,6 +7245,11 @@
                   </a:txBody>
                   <a:tcPr/>
                 </a:tc>
+                <a:extLst>
+                  <a:ext uri="{0D108BD9-81ED-4DB2-BD59-A6C34878D82A}">
+                    <a16:rowId xmlns:a16="http://schemas.microsoft.com/office/drawing/2014/main" val="10002"/>
+                  </a:ext>
+                </a:extLst>
               </a:tr>
               <a:tr h="370840">
                 <a:tc>
@@ -6531,6 +7295,11 @@
                   </a:txBody>
                   <a:tcPr/>
                 </a:tc>
+                <a:extLst>
+                  <a:ext uri="{0D108BD9-81ED-4DB2-BD59-A6C34878D82A}">
+                    <a16:rowId xmlns:a16="http://schemas.microsoft.com/office/drawing/2014/main" val="10003"/>
+                  </a:ext>
+                </a:extLst>
               </a:tr>
               <a:tr h="370840">
                 <a:tc>
@@ -6576,6 +7345,11 @@
                   </a:txBody>
                   <a:tcPr/>
                 </a:tc>
+                <a:extLst>
+                  <a:ext uri="{0D108BD9-81ED-4DB2-BD59-A6C34878D82A}">
+                    <a16:rowId xmlns:a16="http://schemas.microsoft.com/office/drawing/2014/main" val="10004"/>
+                  </a:ext>
+                </a:extLst>
               </a:tr>
               <a:tr h="370840">
                 <a:tc>
@@ -6625,6 +7399,11 @@
                   </a:txBody>
                   <a:tcPr/>
                 </a:tc>
+                <a:extLst>
+                  <a:ext uri="{0D108BD9-81ED-4DB2-BD59-A6C34878D82A}">
+                    <a16:rowId xmlns:a16="http://schemas.microsoft.com/office/drawing/2014/main" val="10005"/>
+                  </a:ext>
+                </a:extLst>
               </a:tr>
               <a:tr h="370840">
                 <a:tc>
@@ -6670,6 +7449,11 @@
                   </a:txBody>
                   <a:tcPr/>
                 </a:tc>
+                <a:extLst>
+                  <a:ext uri="{0D108BD9-81ED-4DB2-BD59-A6C34878D82A}">
+                    <a16:rowId xmlns:a16="http://schemas.microsoft.com/office/drawing/2014/main" val="10006"/>
+                  </a:ext>
+                </a:extLst>
               </a:tr>
             </a:tbl>
           </a:graphicData>
@@ -6943,6 +7727,75 @@
           </a:p>
         </p:txBody>
       </p:sp>
+      <p:sp>
+        <p:nvSpPr>
+          <p:cNvPr id="4" name="Date Placeholder 3"/>
+          <p:cNvSpPr>
+            <a:spLocks noGrp="1"/>
+          </p:cNvSpPr>
+          <p:nvPr>
+            <p:ph type="dt" sz="half" idx="10"/>
+          </p:nvPr>
+        </p:nvSpPr>
+        <p:spPr/>
+        <p:txBody>
+          <a:bodyPr/>
+          <a:lstStyle/>
+          <a:p>
+            <a:fld id="{B873EE98-D0E2-455B-9F98-F70A83C94D82}" type="datetime1">
+              <a:rPr lang="en-GB" smtClean="0"/>
+              <a:t>04/05/2016</a:t>
+            </a:fld>
+            <a:endParaRPr lang="en-GB"/>
+          </a:p>
+        </p:txBody>
+      </p:sp>
+      <p:sp>
+        <p:nvSpPr>
+          <p:cNvPr id="7" name="Footer Placeholder 6"/>
+          <p:cNvSpPr>
+            <a:spLocks noGrp="1"/>
+          </p:cNvSpPr>
+          <p:nvPr>
+            <p:ph type="ftr" sz="quarter" idx="11"/>
+          </p:nvPr>
+        </p:nvSpPr>
+        <p:spPr/>
+        <p:txBody>
+          <a:bodyPr/>
+          <a:lstStyle/>
+          <a:p>
+            <a:r>
+              <a:rPr lang="en-GB" smtClean="0"/>
+              <a:t>SE2 - Project B</a:t>
+            </a:r>
+            <a:endParaRPr lang="en-GB"/>
+          </a:p>
+        </p:txBody>
+      </p:sp>
+      <p:sp>
+        <p:nvSpPr>
+          <p:cNvPr id="8" name="Slide Number Placeholder 7"/>
+          <p:cNvSpPr>
+            <a:spLocks noGrp="1"/>
+          </p:cNvSpPr>
+          <p:nvPr>
+            <p:ph type="sldNum" sz="quarter" idx="12"/>
+          </p:nvPr>
+        </p:nvSpPr>
+        <p:spPr/>
+        <p:txBody>
+          <a:bodyPr/>
+          <a:lstStyle/>
+          <a:p>
+            <a:fld id="{7A22D47D-C122-41D5-A499-5D5EB595B463}" type="slidenum">
+              <a:rPr lang="en-GB" smtClean="0"/>
+              <a:t>4</a:t>
+            </a:fld>
+            <a:endParaRPr lang="en-GB"/>
+          </a:p>
+        </p:txBody>
+      </p:sp>
     </p:spTree>
     <p:extLst>
       <p:ext uri="{BB962C8B-B14F-4D97-AF65-F5344CB8AC3E}">
@@ -6953,6 +7806,13 @@
   <p:clrMapOvr>
     <a:masterClrMapping/>
   </p:clrMapOvr>
+  <p:timing>
+    <p:tnLst>
+      <p:par>
+        <p:cTn id="1" dur="indefinite" restart="never" nodeType="tmRoot"/>
+      </p:par>
+    </p:tnLst>
+  </p:timing>
 </p:sld>
 </file>
 
@@ -7060,9 +7920,27 @@
                 <a:tableStyleId>{5C22544A-7EE6-4342-B048-85BDC9FD1C3A}</a:tableStyleId>
               </a:tblPr>
               <a:tblGrid>
-                <a:gridCol w="594291"/>
-                <a:gridCol w="6171484"/>
-                <a:gridCol w="1828589"/>
+                <a:gridCol w="594291">
+                  <a:extLst>
+                    <a:ext uri="{9D8B030D-6E8A-4147-A177-3AD203B41FA5}">
+                      <a16:colId xmlns:a16="http://schemas.microsoft.com/office/drawing/2014/main" val="20000"/>
+                    </a:ext>
+                  </a:extLst>
+                </a:gridCol>
+                <a:gridCol w="6171484">
+                  <a:extLst>
+                    <a:ext uri="{9D8B030D-6E8A-4147-A177-3AD203B41FA5}">
+                      <a16:colId xmlns:a16="http://schemas.microsoft.com/office/drawing/2014/main" val="20001"/>
+                    </a:ext>
+                  </a:extLst>
+                </a:gridCol>
+                <a:gridCol w="1828589">
+                  <a:extLst>
+                    <a:ext uri="{9D8B030D-6E8A-4147-A177-3AD203B41FA5}">
+                      <a16:colId xmlns:a16="http://schemas.microsoft.com/office/drawing/2014/main" val="20002"/>
+                    </a:ext>
+                  </a:extLst>
+                </a:gridCol>
               </a:tblGrid>
               <a:tr h="370840">
                 <a:tc>
@@ -7107,6 +7985,11 @@
                   </a:txBody>
                   <a:tcPr/>
                 </a:tc>
+                <a:extLst>
+                  <a:ext uri="{0D108BD9-81ED-4DB2-BD59-A6C34878D82A}">
+                    <a16:rowId xmlns:a16="http://schemas.microsoft.com/office/drawing/2014/main" val="10000"/>
+                  </a:ext>
+                </a:extLst>
               </a:tr>
               <a:tr h="370840">
                 <a:tc>
@@ -7157,6 +8040,11 @@
                   </a:txBody>
                   <a:tcPr/>
                 </a:tc>
+                <a:extLst>
+                  <a:ext uri="{0D108BD9-81ED-4DB2-BD59-A6C34878D82A}">
+                    <a16:rowId xmlns:a16="http://schemas.microsoft.com/office/drawing/2014/main" val="10001"/>
+                  </a:ext>
+                </a:extLst>
               </a:tr>
               <a:tr h="370840">
                 <a:tc>
@@ -7222,6 +8110,11 @@
                   </a:txBody>
                   <a:tcPr/>
                 </a:tc>
+                <a:extLst>
+                  <a:ext uri="{0D108BD9-81ED-4DB2-BD59-A6C34878D82A}">
+                    <a16:rowId xmlns:a16="http://schemas.microsoft.com/office/drawing/2014/main" val="10002"/>
+                  </a:ext>
+                </a:extLst>
               </a:tr>
               <a:tr h="370840">
                 <a:tc>
@@ -7271,6 +8164,11 @@
                   </a:txBody>
                   <a:tcPr/>
                 </a:tc>
+                <a:extLst>
+                  <a:ext uri="{0D108BD9-81ED-4DB2-BD59-A6C34878D82A}">
+                    <a16:rowId xmlns:a16="http://schemas.microsoft.com/office/drawing/2014/main" val="10003"/>
+                  </a:ext>
+                </a:extLst>
               </a:tr>
               <a:tr h="370840">
                 <a:tc>
@@ -7316,6 +8214,11 @@
                   </a:txBody>
                   <a:tcPr/>
                 </a:tc>
+                <a:extLst>
+                  <a:ext uri="{0D108BD9-81ED-4DB2-BD59-A6C34878D82A}">
+                    <a16:rowId xmlns:a16="http://schemas.microsoft.com/office/drawing/2014/main" val="10004"/>
+                  </a:ext>
+                </a:extLst>
               </a:tr>
               <a:tr h="370840">
                 <a:tc>
@@ -7356,11 +8259,85 @@
                   </a:txBody>
                   <a:tcPr/>
                 </a:tc>
+                <a:extLst>
+                  <a:ext uri="{0D108BD9-81ED-4DB2-BD59-A6C34878D82A}">
+                    <a16:rowId xmlns:a16="http://schemas.microsoft.com/office/drawing/2014/main" val="10005"/>
+                  </a:ext>
+                </a:extLst>
               </a:tr>
             </a:tbl>
           </a:graphicData>
         </a:graphic>
       </p:graphicFrame>
+      <p:sp>
+        <p:nvSpPr>
+          <p:cNvPr id="3" name="Date Placeholder 2"/>
+          <p:cNvSpPr>
+            <a:spLocks noGrp="1"/>
+          </p:cNvSpPr>
+          <p:nvPr>
+            <p:ph type="dt" sz="half" idx="10"/>
+          </p:nvPr>
+        </p:nvSpPr>
+        <p:spPr/>
+        <p:txBody>
+          <a:bodyPr/>
+          <a:lstStyle/>
+          <a:p>
+            <a:fld id="{34FA2BB9-D199-4677-B15F-55F2334E0A22}" type="datetime1">
+              <a:rPr lang="en-GB" smtClean="0"/>
+              <a:t>04/05/2016</a:t>
+            </a:fld>
+            <a:endParaRPr lang="en-GB"/>
+          </a:p>
+        </p:txBody>
+      </p:sp>
+      <p:sp>
+        <p:nvSpPr>
+          <p:cNvPr id="4" name="Footer Placeholder 3"/>
+          <p:cNvSpPr>
+            <a:spLocks noGrp="1"/>
+          </p:cNvSpPr>
+          <p:nvPr>
+            <p:ph type="ftr" sz="quarter" idx="11"/>
+          </p:nvPr>
+        </p:nvSpPr>
+        <p:spPr/>
+        <p:txBody>
+          <a:bodyPr/>
+          <a:lstStyle/>
+          <a:p>
+            <a:r>
+              <a:rPr lang="en-GB" smtClean="0"/>
+              <a:t>SE2 - Project B</a:t>
+            </a:r>
+            <a:endParaRPr lang="en-GB"/>
+          </a:p>
+        </p:txBody>
+      </p:sp>
+      <p:sp>
+        <p:nvSpPr>
+          <p:cNvPr id="5" name="Slide Number Placeholder 4"/>
+          <p:cNvSpPr>
+            <a:spLocks noGrp="1"/>
+          </p:cNvSpPr>
+          <p:nvPr>
+            <p:ph type="sldNum" sz="quarter" idx="12"/>
+          </p:nvPr>
+        </p:nvSpPr>
+        <p:spPr/>
+        <p:txBody>
+          <a:bodyPr/>
+          <a:lstStyle/>
+          <a:p>
+            <a:fld id="{7A22D47D-C122-41D5-A499-5D5EB595B463}" type="slidenum">
+              <a:rPr lang="en-GB" smtClean="0"/>
+              <a:t>5</a:t>
+            </a:fld>
+            <a:endParaRPr lang="en-GB"/>
+          </a:p>
+        </p:txBody>
+      </p:sp>
     </p:spTree>
     <p:extLst>
       <p:ext uri="{BB962C8B-B14F-4D97-AF65-F5344CB8AC3E}">
@@ -7371,11 +8348,18 @@
   <p:clrMapOvr>
     <a:masterClrMapping/>
   </p:clrMapOvr>
+  <p:timing>
+    <p:tnLst>
+      <p:par>
+        <p:cTn id="1" dur="indefinite" restart="never" nodeType="tmRoot"/>
+      </p:par>
+    </p:tnLst>
+  </p:timing>
 </p:sld>
 </file>
 
 <file path=ppt/slides/slide6.xml><?xml version="1.0" encoding="utf-8"?>
-<p:sld xmlns:a="http://schemas.openxmlformats.org/drawingml/2006/main" xmlns:r="http://schemas.openxmlformats.org/officeDocument/2006/relationships" xmlns:p="http://schemas.openxmlformats.org/presentationml/2006/main">
+<p:sld xmlns:a="http://schemas.openxmlformats.org/drawingml/2006/main" xmlns:r="http://schemas.openxmlformats.org/officeDocument/2006/relationships" xmlns:p="http://schemas.openxmlformats.org/presentationml/2006/main" show="0">
   <p:cSld>
     <p:spTree>
       <p:nvGrpSpPr>
@@ -7458,8 +8442,8 @@
         </p:blipFill>
         <p:spPr>
           <a:xfrm>
-            <a:off x="1387931" y="2685846"/>
-            <a:ext cx="7175473" cy="4017120"/>
+            <a:off x="2153311" y="2651034"/>
+            <a:ext cx="5644713" cy="3160139"/>
           </a:xfrm>
           <a:prstGeom prst="rect">
             <a:avLst/>
@@ -7496,6 +8480,75 @@
           </a:sp3d>
         </p:spPr>
       </p:pic>
+      <p:sp>
+        <p:nvSpPr>
+          <p:cNvPr id="5" name="Date Placeholder 4"/>
+          <p:cNvSpPr>
+            <a:spLocks noGrp="1"/>
+          </p:cNvSpPr>
+          <p:nvPr>
+            <p:ph type="dt" sz="half" idx="10"/>
+          </p:nvPr>
+        </p:nvSpPr>
+        <p:spPr/>
+        <p:txBody>
+          <a:bodyPr/>
+          <a:lstStyle/>
+          <a:p>
+            <a:fld id="{589087AA-1115-464C-A04C-0877CA7B60B6}" type="datetime1">
+              <a:rPr lang="en-GB" smtClean="0"/>
+              <a:t>04/05/2016</a:t>
+            </a:fld>
+            <a:endParaRPr lang="en-GB"/>
+          </a:p>
+        </p:txBody>
+      </p:sp>
+      <p:sp>
+        <p:nvSpPr>
+          <p:cNvPr id="6" name="Footer Placeholder 5"/>
+          <p:cNvSpPr>
+            <a:spLocks noGrp="1"/>
+          </p:cNvSpPr>
+          <p:nvPr>
+            <p:ph type="ftr" sz="quarter" idx="11"/>
+          </p:nvPr>
+        </p:nvSpPr>
+        <p:spPr/>
+        <p:txBody>
+          <a:bodyPr/>
+          <a:lstStyle/>
+          <a:p>
+            <a:r>
+              <a:rPr lang="en-GB" smtClean="0"/>
+              <a:t>SE2 - Project B</a:t>
+            </a:r>
+            <a:endParaRPr lang="en-GB"/>
+          </a:p>
+        </p:txBody>
+      </p:sp>
+      <p:sp>
+        <p:nvSpPr>
+          <p:cNvPr id="7" name="Slide Number Placeholder 6"/>
+          <p:cNvSpPr>
+            <a:spLocks noGrp="1"/>
+          </p:cNvSpPr>
+          <p:nvPr>
+            <p:ph type="sldNum" sz="quarter" idx="12"/>
+          </p:nvPr>
+        </p:nvSpPr>
+        <p:spPr/>
+        <p:txBody>
+          <a:bodyPr/>
+          <a:lstStyle/>
+          <a:p>
+            <a:fld id="{7A22D47D-C122-41D5-A499-5D5EB595B463}" type="slidenum">
+              <a:rPr lang="en-GB" smtClean="0"/>
+              <a:t>6</a:t>
+            </a:fld>
+            <a:endParaRPr lang="en-GB"/>
+          </a:p>
+        </p:txBody>
+      </p:sp>
     </p:spTree>
     <p:extLst>
       <p:ext uri="{BB962C8B-B14F-4D97-AF65-F5344CB8AC3E}">
@@ -7506,6 +8559,21 @@
   <p:clrMapOvr>
     <a:masterClrMapping/>
   </p:clrMapOvr>
+  <mc:AlternateContent xmlns:mc="http://schemas.openxmlformats.org/markup-compatibility/2006">
+    <mc:Choice xmlns:p14="http://schemas.microsoft.com/office/powerpoint/2010/main" Requires="p14">
+      <p:transition spd="slow" p14:dur="2000"/>
+    </mc:Choice>
+    <mc:Fallback>
+      <p:transition spd="slow"/>
+    </mc:Fallback>
+  </mc:AlternateContent>
+  <p:timing>
+    <p:tnLst>
+      <p:par>
+        <p:cTn id="1" dur="indefinite" restart="never" nodeType="tmRoot"/>
+      </p:par>
+    </p:tnLst>
+  </p:timing>
 </p:sld>
 </file>
 
@@ -7575,6 +8643,53 @@
             <a:endParaRPr lang="de-AT" sz="2400" dirty="0" smtClean="0"/>
           </a:p>
           <a:p>
+            <a:r>
+              <a:rPr lang="de-AT" sz="2400" dirty="0" smtClean="0"/>
+              <a:t>Gute Hilfestellungen vom Tutorium/Tutor</a:t>
+            </a:r>
+          </a:p>
+          <a:p>
+            <a:r>
+              <a:rPr lang="de-AT" sz="2400" dirty="0" smtClean="0"/>
+              <a:t>Betriebsnähere Erfahrungen </a:t>
+            </a:r>
+            <a:r>
+              <a:rPr lang="de-AT" sz="2400" dirty="0" smtClean="0"/>
+              <a:t>(statt </a:t>
+            </a:r>
+            <a:r>
+              <a:rPr lang="de-AT" sz="2400" dirty="0" smtClean="0"/>
+              <a:t>einfach „zu </a:t>
+            </a:r>
+            <a:r>
+              <a:rPr lang="de-AT" sz="2400" dirty="0" err="1" smtClean="0"/>
+              <a:t>coden</a:t>
+            </a:r>
+            <a:r>
+              <a:rPr lang="de-AT" sz="2400" dirty="0" smtClean="0"/>
+              <a:t>“)</a:t>
+            </a:r>
+          </a:p>
+          <a:p>
+            <a:r>
+              <a:rPr lang="de-AT" sz="2400" dirty="0" smtClean="0"/>
+              <a:t>Kleiner Deadlines/Meilensteine durch </a:t>
+            </a:r>
+            <a:r>
+              <a:rPr lang="de-AT" sz="2400" dirty="0" err="1" smtClean="0"/>
+              <a:t>S</a:t>
+            </a:r>
+            <a:r>
+              <a:rPr lang="de-AT" sz="2400" dirty="0" err="1" smtClean="0"/>
+              <a:t>crum</a:t>
+            </a:r>
+            <a:r>
+              <a:rPr lang="de-AT" sz="2400" dirty="0" smtClean="0"/>
+              <a:t>.</a:t>
+            </a:r>
+            <a:endParaRPr lang="de-AT" sz="2400" dirty="0" smtClean="0"/>
+          </a:p>
+          <a:p>
             <a:endParaRPr lang="de-AT" sz="2200" dirty="0" smtClean="0"/>
           </a:p>
           <a:p>
@@ -7582,6 +8697,75 @@
           </a:p>
           <a:p>
             <a:endParaRPr lang="en-GB" dirty="0"/>
+          </a:p>
+        </p:txBody>
+      </p:sp>
+      <p:sp>
+        <p:nvSpPr>
+          <p:cNvPr id="4" name="Date Placeholder 3"/>
+          <p:cNvSpPr>
+            <a:spLocks noGrp="1"/>
+          </p:cNvSpPr>
+          <p:nvPr>
+            <p:ph type="dt" sz="half" idx="10"/>
+          </p:nvPr>
+        </p:nvSpPr>
+        <p:spPr/>
+        <p:txBody>
+          <a:bodyPr/>
+          <a:lstStyle/>
+          <a:p>
+            <a:fld id="{D09F2F90-ABA1-47B5-9D08-22445EFB439F}" type="datetime1">
+              <a:rPr lang="en-GB" smtClean="0"/>
+              <a:t>04/05/2016</a:t>
+            </a:fld>
+            <a:endParaRPr lang="en-GB"/>
+          </a:p>
+        </p:txBody>
+      </p:sp>
+      <p:sp>
+        <p:nvSpPr>
+          <p:cNvPr id="5" name="Footer Placeholder 4"/>
+          <p:cNvSpPr>
+            <a:spLocks noGrp="1"/>
+          </p:cNvSpPr>
+          <p:nvPr>
+            <p:ph type="ftr" sz="quarter" idx="11"/>
+          </p:nvPr>
+        </p:nvSpPr>
+        <p:spPr/>
+        <p:txBody>
+          <a:bodyPr/>
+          <a:lstStyle/>
+          <a:p>
+            <a:r>
+              <a:rPr lang="en-GB" smtClean="0"/>
+              <a:t>SE2 - Project B</a:t>
+            </a:r>
+            <a:endParaRPr lang="en-GB"/>
+          </a:p>
+        </p:txBody>
+      </p:sp>
+      <p:sp>
+        <p:nvSpPr>
+          <p:cNvPr id="6" name="Slide Number Placeholder 5"/>
+          <p:cNvSpPr>
+            <a:spLocks noGrp="1"/>
+          </p:cNvSpPr>
+          <p:nvPr>
+            <p:ph type="sldNum" sz="quarter" idx="12"/>
+          </p:nvPr>
+        </p:nvSpPr>
+        <p:spPr/>
+        <p:txBody>
+          <a:bodyPr/>
+          <a:lstStyle/>
+          <a:p>
+            <a:fld id="{7A22D47D-C122-41D5-A499-5D5EB595B463}" type="slidenum">
+              <a:rPr lang="en-GB" smtClean="0"/>
+              <a:t>7</a:t>
+            </a:fld>
+            <a:endParaRPr lang="en-GB"/>
           </a:p>
         </p:txBody>
       </p:sp>
@@ -7595,6 +8779,13 @@
   <p:clrMapOvr>
     <a:masterClrMapping/>
   </p:clrMapOvr>
+  <p:timing>
+    <p:tnLst>
+      <p:par>
+        <p:cTn id="1" dur="indefinite" restart="never" nodeType="tmRoot"/>
+      </p:par>
+    </p:tnLst>
+  </p:timing>
 </p:sld>
 </file>
 
@@ -7657,7 +8848,7 @@
           <a:p>
             <a:r>
               <a:rPr lang="de-AT" sz="2400" dirty="0" smtClean="0"/>
-              <a:t>Schwierigkeiten mit der </a:t>
+              <a:t>Schwierigkeiten mit </a:t>
             </a:r>
             <a:r>
               <a:rPr lang="de-AT" sz="2400" dirty="0" err="1" smtClean="0"/>
@@ -7665,9 +8856,91 @@
             </a:r>
             <a:r>
               <a:rPr lang="de-AT" sz="2400" dirty="0" smtClean="0"/>
-              <a:t>-Umgebung</a:t>
-            </a:r>
+              <a:t>-Umgebung/Workflow</a:t>
+            </a:r>
+          </a:p>
+          <a:p>
+            <a:r>
+              <a:rPr lang="de-AT" sz="2400" dirty="0" smtClean="0"/>
+              <a:t>Management </a:t>
+            </a:r>
+            <a:r>
+              <a:rPr lang="de-AT" sz="2400" smtClean="0"/>
+              <a:t>&amp; Kommunikation (Overhead)</a:t>
+            </a:r>
+            <a:endParaRPr lang="de-AT" sz="2400" dirty="0" smtClean="0"/>
+          </a:p>
+          <a:p>
             <a:endParaRPr lang="en-GB" sz="2400" dirty="0"/>
+          </a:p>
+        </p:txBody>
+      </p:sp>
+      <p:sp>
+        <p:nvSpPr>
+          <p:cNvPr id="4" name="Date Placeholder 3"/>
+          <p:cNvSpPr>
+            <a:spLocks noGrp="1"/>
+          </p:cNvSpPr>
+          <p:nvPr>
+            <p:ph type="dt" sz="half" idx="10"/>
+          </p:nvPr>
+        </p:nvSpPr>
+        <p:spPr/>
+        <p:txBody>
+          <a:bodyPr/>
+          <a:lstStyle/>
+          <a:p>
+            <a:fld id="{ECD8A372-B843-440D-AD1F-C21B162FE612}" type="datetime1">
+              <a:rPr lang="en-GB" smtClean="0"/>
+              <a:t>04/05/2016</a:t>
+            </a:fld>
+            <a:endParaRPr lang="en-GB"/>
+          </a:p>
+        </p:txBody>
+      </p:sp>
+      <p:sp>
+        <p:nvSpPr>
+          <p:cNvPr id="5" name="Footer Placeholder 4"/>
+          <p:cNvSpPr>
+            <a:spLocks noGrp="1"/>
+          </p:cNvSpPr>
+          <p:nvPr>
+            <p:ph type="ftr" sz="quarter" idx="11"/>
+          </p:nvPr>
+        </p:nvSpPr>
+        <p:spPr/>
+        <p:txBody>
+          <a:bodyPr/>
+          <a:lstStyle/>
+          <a:p>
+            <a:r>
+              <a:rPr lang="en-GB" smtClean="0"/>
+              <a:t>SE2 - Project B</a:t>
+            </a:r>
+            <a:endParaRPr lang="en-GB"/>
+          </a:p>
+        </p:txBody>
+      </p:sp>
+      <p:sp>
+        <p:nvSpPr>
+          <p:cNvPr id="6" name="Slide Number Placeholder 5"/>
+          <p:cNvSpPr>
+            <a:spLocks noGrp="1"/>
+          </p:cNvSpPr>
+          <p:nvPr>
+            <p:ph type="sldNum" sz="quarter" idx="12"/>
+          </p:nvPr>
+        </p:nvSpPr>
+        <p:spPr/>
+        <p:txBody>
+          <a:bodyPr/>
+          <a:lstStyle/>
+          <a:p>
+            <a:fld id="{7A22D47D-C122-41D5-A499-5D5EB595B463}" type="slidenum">
+              <a:rPr lang="en-GB" smtClean="0"/>
+              <a:t>8</a:t>
+            </a:fld>
+            <a:endParaRPr lang="en-GB"/>
           </a:p>
         </p:txBody>
       </p:sp>
@@ -7681,6 +8954,13 @@
   <p:clrMapOvr>
     <a:masterClrMapping/>
   </p:clrMapOvr>
+  <p:timing>
+    <p:tnLst>
+      <p:par>
+        <p:cTn id="1" dur="indefinite" restart="never" nodeType="tmRoot"/>
+      </p:par>
+    </p:tnLst>
+  </p:timing>
 </p:sld>
 </file>
 
@@ -7939,4 +9219,265 @@
     </a:ext>
   </a:extLst>
 </a:theme>
+</file>
+
+<file path=ppt/theme/theme2.xml><?xml version="1.0" encoding="utf-8"?>
+<a:theme xmlns:a="http://schemas.openxmlformats.org/drawingml/2006/main" name="Office Theme">
+  <a:themeElements>
+    <a:clrScheme name="Office">
+      <a:dk1>
+        <a:sysClr val="windowText" lastClr="000000"/>
+      </a:dk1>
+      <a:lt1>
+        <a:sysClr val="window" lastClr="FFFFFF"/>
+      </a:lt1>
+      <a:dk2>
+        <a:srgbClr val="44546A"/>
+      </a:dk2>
+      <a:lt2>
+        <a:srgbClr val="E7E6E6"/>
+      </a:lt2>
+      <a:accent1>
+        <a:srgbClr val="5B9BD5"/>
+      </a:accent1>
+      <a:accent2>
+        <a:srgbClr val="ED7D31"/>
+      </a:accent2>
+      <a:accent3>
+        <a:srgbClr val="A5A5A5"/>
+      </a:accent3>
+      <a:accent4>
+        <a:srgbClr val="FFC000"/>
+      </a:accent4>
+      <a:accent5>
+        <a:srgbClr val="4472C4"/>
+      </a:accent5>
+      <a:accent6>
+        <a:srgbClr val="70AD47"/>
+      </a:accent6>
+      <a:hlink>
+        <a:srgbClr val="0563C1"/>
+      </a:hlink>
+      <a:folHlink>
+        <a:srgbClr val="954F72"/>
+      </a:folHlink>
+    </a:clrScheme>
+    <a:fontScheme name="Office">
+      <a:majorFont>
+        <a:latin typeface="Calibri Light" panose="020F0302020204030204"/>
+        <a:ea typeface=""/>
+        <a:cs typeface=""/>
+        <a:font script="Jpan" typeface="游ゴシック Light"/>
+        <a:font script="Hang" typeface="맑은 고딕"/>
+        <a:font script="Hans" typeface="等线 Light"/>
+        <a:font script="Hant" typeface="新細明體"/>
+        <a:font script="Arab" typeface="Times New Roman"/>
+        <a:font script="Hebr" typeface="Times New Roman"/>
+        <a:font script="Thai" typeface="Angsana New"/>
+        <a:font script="Ethi" typeface="Nyala"/>
+        <a:font script="Beng" typeface="Vrinda"/>
+        <a:font script="Gujr" typeface="Shruti"/>
+        <a:font script="Khmr" typeface="MoolBoran"/>
+        <a:font script="Knda" typeface="Tunga"/>
+        <a:font script="Guru" typeface="Raavi"/>
+        <a:font script="Cans" typeface="Euphemia"/>
+        <a:font script="Cher" typeface="Plantagenet Cherokee"/>
+        <a:font script="Yiii" typeface="Microsoft Yi Baiti"/>
+        <a:font script="Tibt" typeface="Microsoft Himalaya"/>
+        <a:font script="Thaa" typeface="MV Boli"/>
+        <a:font script="Deva" typeface="Mangal"/>
+        <a:font script="Telu" typeface="Gautami"/>
+        <a:font script="Taml" typeface="Latha"/>
+        <a:font script="Syrc" typeface="Estrangelo Edessa"/>
+        <a:font script="Orya" typeface="Kalinga"/>
+        <a:font script="Mlym" typeface="Kartika"/>
+        <a:font script="Laoo" typeface="DokChampa"/>
+        <a:font script="Sinh" typeface="Iskoola Pota"/>
+        <a:font script="Mong" typeface="Mongolian Baiti"/>
+        <a:font script="Viet" typeface="Times New Roman"/>
+        <a:font script="Uigh" typeface="Microsoft Uighur"/>
+        <a:font script="Geor" typeface="Sylfaen"/>
+      </a:majorFont>
+      <a:minorFont>
+        <a:latin typeface="Calibri" panose="020F0502020204030204"/>
+        <a:ea typeface=""/>
+        <a:cs typeface=""/>
+        <a:font script="Jpan" typeface="游ゴシック"/>
+        <a:font script="Hang" typeface="맑은 고딕"/>
+        <a:font script="Hans" typeface="等线"/>
+        <a:font script="Hant" typeface="新細明體"/>
+        <a:font script="Arab" typeface="Arial"/>
+        <a:font script="Hebr" typeface="Arial"/>
+        <a:font script="Thai" typeface="Cordia New"/>
+        <a:font script="Ethi" typeface="Nyala"/>
+        <a:font script="Beng" typeface="Vrinda"/>
+        <a:font script="Gujr" typeface="Shruti"/>
+        <a:font script="Khmr" typeface="DaunPenh"/>
+        <a:font script="Knda" typeface="Tunga"/>
+        <a:font script="Guru" typeface="Raavi"/>
+        <a:font script="Cans" typeface="Euphemia"/>
+        <a:font script="Cher" typeface="Plantagenet Cherokee"/>
+        <a:font script="Yiii" typeface="Microsoft Yi Baiti"/>
+        <a:font script="Tibt" typeface="Microsoft Himalaya"/>
+        <a:font script="Thaa" typeface="MV Boli"/>
+        <a:font script="Deva" typeface="Mangal"/>
+        <a:font script="Telu" typeface="Gautami"/>
+        <a:font script="Taml" typeface="Latha"/>
+        <a:font script="Syrc" typeface="Estrangelo Edessa"/>
+        <a:font script="Orya" typeface="Kalinga"/>
+        <a:font script="Mlym" typeface="Kartika"/>
+        <a:font script="Laoo" typeface="DokChampa"/>
+        <a:font script="Sinh" typeface="Iskoola Pota"/>
+        <a:font script="Mong" typeface="Mongolian Baiti"/>
+        <a:font script="Viet" typeface="Arial"/>
+        <a:font script="Uigh" typeface="Microsoft Uighur"/>
+        <a:font script="Geor" typeface="Sylfaen"/>
+      </a:minorFont>
+    </a:fontScheme>
+    <a:fmtScheme name="Office">
+      <a:fillStyleLst>
+        <a:solidFill>
+          <a:schemeClr val="phClr"/>
+        </a:solidFill>
+        <a:gradFill rotWithShape="1">
+          <a:gsLst>
+            <a:gs pos="0">
+              <a:schemeClr val="phClr">
+                <a:lumMod val="110000"/>
+                <a:satMod val="105000"/>
+                <a:tint val="67000"/>
+              </a:schemeClr>
+            </a:gs>
+            <a:gs pos="50000">
+              <a:schemeClr val="phClr">
+                <a:lumMod val="105000"/>
+                <a:satMod val="103000"/>
+                <a:tint val="73000"/>
+              </a:schemeClr>
+            </a:gs>
+            <a:gs pos="100000">
+              <a:schemeClr val="phClr">
+                <a:lumMod val="105000"/>
+                <a:satMod val="109000"/>
+                <a:tint val="81000"/>
+              </a:schemeClr>
+            </a:gs>
+          </a:gsLst>
+          <a:lin ang="5400000" scaled="0"/>
+        </a:gradFill>
+        <a:gradFill rotWithShape="1">
+          <a:gsLst>
+            <a:gs pos="0">
+              <a:schemeClr val="phClr">
+                <a:satMod val="103000"/>
+                <a:lumMod val="102000"/>
+                <a:tint val="94000"/>
+              </a:schemeClr>
+            </a:gs>
+            <a:gs pos="50000">
+              <a:schemeClr val="phClr">
+                <a:satMod val="110000"/>
+                <a:lumMod val="100000"/>
+                <a:shade val="100000"/>
+              </a:schemeClr>
+            </a:gs>
+            <a:gs pos="100000">
+              <a:schemeClr val="phClr">
+                <a:lumMod val="99000"/>
+                <a:satMod val="120000"/>
+                <a:shade val="78000"/>
+              </a:schemeClr>
+            </a:gs>
+          </a:gsLst>
+          <a:lin ang="5400000" scaled="0"/>
+        </a:gradFill>
+      </a:fillStyleLst>
+      <a:lnStyleLst>
+        <a:ln w="6350" cap="flat" cmpd="sng" algn="ctr">
+          <a:solidFill>
+            <a:schemeClr val="phClr"/>
+          </a:solidFill>
+          <a:prstDash val="solid"/>
+          <a:miter lim="800000"/>
+        </a:ln>
+        <a:ln w="12700" cap="flat" cmpd="sng" algn="ctr">
+          <a:solidFill>
+            <a:schemeClr val="phClr"/>
+          </a:solidFill>
+          <a:prstDash val="solid"/>
+          <a:miter lim="800000"/>
+        </a:ln>
+        <a:ln w="19050" cap="flat" cmpd="sng" algn="ctr">
+          <a:solidFill>
+            <a:schemeClr val="phClr"/>
+          </a:solidFill>
+          <a:prstDash val="solid"/>
+          <a:miter lim="800000"/>
+        </a:ln>
+      </a:lnStyleLst>
+      <a:effectStyleLst>
+        <a:effectStyle>
+          <a:effectLst/>
+        </a:effectStyle>
+        <a:effectStyle>
+          <a:effectLst/>
+        </a:effectStyle>
+        <a:effectStyle>
+          <a:effectLst>
+            <a:outerShdw blurRad="57150" dist="19050" dir="5400000" algn="ctr" rotWithShape="0">
+              <a:srgbClr val="000000">
+                <a:alpha val="63000"/>
+              </a:srgbClr>
+            </a:outerShdw>
+          </a:effectLst>
+        </a:effectStyle>
+      </a:effectStyleLst>
+      <a:bgFillStyleLst>
+        <a:solidFill>
+          <a:schemeClr val="phClr"/>
+        </a:solidFill>
+        <a:solidFill>
+          <a:schemeClr val="phClr">
+            <a:tint val="95000"/>
+            <a:satMod val="170000"/>
+          </a:schemeClr>
+        </a:solidFill>
+        <a:gradFill rotWithShape="1">
+          <a:gsLst>
+            <a:gs pos="0">
+              <a:schemeClr val="phClr">
+                <a:tint val="93000"/>
+                <a:satMod val="150000"/>
+                <a:shade val="98000"/>
+                <a:lumMod val="102000"/>
+              </a:schemeClr>
+            </a:gs>
+            <a:gs pos="50000">
+              <a:schemeClr val="phClr">
+                <a:tint val="98000"/>
+                <a:satMod val="130000"/>
+                <a:shade val="90000"/>
+                <a:lumMod val="103000"/>
+              </a:schemeClr>
+            </a:gs>
+            <a:gs pos="100000">
+              <a:schemeClr val="phClr">
+                <a:shade val="63000"/>
+                <a:satMod val="120000"/>
+              </a:schemeClr>
+            </a:gs>
+          </a:gsLst>
+          <a:lin ang="5400000" scaled="0"/>
+        </a:gradFill>
+      </a:bgFillStyleLst>
+    </a:fmtScheme>
+  </a:themeElements>
+  <a:objectDefaults/>
+  <a:extraClrSchemeLst/>
+  <a:extLst>
+    <a:ext uri="{05A4C25C-085E-4340-85A3-A5531E510DB2}">
+      <thm15:themeFamily xmlns:thm15="http://schemas.microsoft.com/office/thememl/2012/main" name="Office Theme" id="{62F939B6-93AF-4DB8-9C6B-D6C7DFDC589F}" vid="{4A3C46E8-61CC-4603-A589-7422A47A8E4A}"/>
+    </a:ext>
+  </a:extLst>
+</a:theme>
 </file>